--- a/Juin/MOLS_FORK_VFORK_CLONE.pptx
+++ b/Juin/MOLS_FORK_VFORK_CLONE.pptx
@@ -6,7 +6,7 @@
     <p:sldMasterId id="2147483673" r:id="rId2"/>
   </p:sldMasterIdLst>
   <p:notesMasterIdLst>
-    <p:notesMasterId r:id="rId34"/>
+    <p:notesMasterId r:id="rId35"/>
   </p:notesMasterIdLst>
   <p:sldIdLst>
     <p:sldId id="256" r:id="rId3"/>
@@ -15,31 +15,32 @@
     <p:sldId id="259" r:id="rId6"/>
     <p:sldId id="263" r:id="rId7"/>
     <p:sldId id="312" r:id="rId8"/>
-    <p:sldId id="302" r:id="rId9"/>
-    <p:sldId id="265" r:id="rId10"/>
-    <p:sldId id="303" r:id="rId11"/>
-    <p:sldId id="304" r:id="rId12"/>
-    <p:sldId id="310" r:id="rId13"/>
-    <p:sldId id="313" r:id="rId14"/>
-    <p:sldId id="307" r:id="rId15"/>
-    <p:sldId id="311" r:id="rId16"/>
-    <p:sldId id="305" r:id="rId17"/>
-    <p:sldId id="306" r:id="rId18"/>
-    <p:sldId id="309" r:id="rId19"/>
-    <p:sldId id="308" r:id="rId20"/>
-    <p:sldId id="314" r:id="rId21"/>
-    <p:sldId id="317" r:id="rId22"/>
-    <p:sldId id="318" r:id="rId23"/>
-    <p:sldId id="319" r:id="rId24"/>
-    <p:sldId id="320" r:id="rId25"/>
-    <p:sldId id="321" r:id="rId26"/>
-    <p:sldId id="315" r:id="rId27"/>
-    <p:sldId id="322" r:id="rId28"/>
-    <p:sldId id="323" r:id="rId29"/>
-    <p:sldId id="267" r:id="rId30"/>
-    <p:sldId id="324" r:id="rId31"/>
-    <p:sldId id="280" r:id="rId32"/>
-    <p:sldId id="281" r:id="rId33"/>
+    <p:sldId id="325" r:id="rId9"/>
+    <p:sldId id="302" r:id="rId10"/>
+    <p:sldId id="265" r:id="rId11"/>
+    <p:sldId id="303" r:id="rId12"/>
+    <p:sldId id="304" r:id="rId13"/>
+    <p:sldId id="310" r:id="rId14"/>
+    <p:sldId id="313" r:id="rId15"/>
+    <p:sldId id="307" r:id="rId16"/>
+    <p:sldId id="311" r:id="rId17"/>
+    <p:sldId id="305" r:id="rId18"/>
+    <p:sldId id="306" r:id="rId19"/>
+    <p:sldId id="309" r:id="rId20"/>
+    <p:sldId id="308" r:id="rId21"/>
+    <p:sldId id="314" r:id="rId22"/>
+    <p:sldId id="317" r:id="rId23"/>
+    <p:sldId id="318" r:id="rId24"/>
+    <p:sldId id="319" r:id="rId25"/>
+    <p:sldId id="320" r:id="rId26"/>
+    <p:sldId id="321" r:id="rId27"/>
+    <p:sldId id="315" r:id="rId28"/>
+    <p:sldId id="322" r:id="rId29"/>
+    <p:sldId id="323" r:id="rId30"/>
+    <p:sldId id="267" r:id="rId31"/>
+    <p:sldId id="324" r:id="rId32"/>
+    <p:sldId id="280" r:id="rId33"/>
+    <p:sldId id="281" r:id="rId34"/>
   </p:sldIdLst>
   <p:sldSz cx="9144000" cy="5143500" type="screen16x9"/>
   <p:notesSz cx="6858000" cy="9144000"/>
@@ -825,6 +826,110 @@
   <p:cSld>
     <p:spTree>
       <p:nvGrpSpPr>
+        <p:cNvPr id="1" name="Shape 448"/>
+        <p:cNvGrpSpPr/>
+        <p:nvPr/>
+      </p:nvGrpSpPr>
+      <p:grpSpPr>
+        <a:xfrm>
+          <a:off x="0" y="0"/>
+          <a:ext cx="0" cy="0"/>
+          <a:chOff x="0" y="0"/>
+          <a:chExt cx="0" cy="0"/>
+        </a:xfrm>
+      </p:grpSpPr>
+      <p:sp>
+        <p:nvSpPr>
+          <p:cNvPr id="449" name="Google Shape;449;g8dec9ae14f_0_62:notes"/>
+          <p:cNvSpPr>
+            <a:spLocks noGrp="1" noRot="1" noChangeAspect="1"/>
+          </p:cNvSpPr>
+          <p:nvPr>
+            <p:ph type="sldImg" idx="2"/>
+          </p:nvPr>
+        </p:nvSpPr>
+        <p:spPr>
+          <a:xfrm>
+            <a:off x="381000" y="685800"/>
+            <a:ext cx="6096000" cy="3429000"/>
+          </a:xfrm>
+          <a:custGeom>
+            <a:avLst/>
+            <a:gdLst/>
+            <a:ahLst/>
+            <a:cxnLst/>
+            <a:rect l="l" t="t" r="r" b="b"/>
+            <a:pathLst>
+              <a:path w="120000" h="120000" extrusionOk="0">
+                <a:moveTo>
+                  <a:pt x="0" y="0"/>
+                </a:moveTo>
+                <a:lnTo>
+                  <a:pt x="120000" y="0"/>
+                </a:lnTo>
+                <a:lnTo>
+                  <a:pt x="120000" y="120000"/>
+                </a:lnTo>
+                <a:lnTo>
+                  <a:pt x="0" y="120000"/>
+                </a:lnTo>
+                <a:close/>
+              </a:path>
+            </a:pathLst>
+          </a:custGeom>
+        </p:spPr>
+      </p:sp>
+      <p:sp>
+        <p:nvSpPr>
+          <p:cNvPr id="450" name="Google Shape;450;g8dec9ae14f_0_62:notes"/>
+          <p:cNvSpPr txBox="1">
+            <a:spLocks noGrp="1"/>
+          </p:cNvSpPr>
+          <p:nvPr>
+            <p:ph type="body" idx="1"/>
+          </p:nvPr>
+        </p:nvSpPr>
+        <p:spPr>
+          <a:xfrm>
+            <a:off x="685800" y="4343400"/>
+            <a:ext cx="5486400" cy="4114800"/>
+          </a:xfrm>
+          <a:prstGeom prst="rect">
+            <a:avLst/>
+          </a:prstGeom>
+        </p:spPr>
+        <p:txBody>
+          <a:bodyPr spcFirstLastPara="1" wrap="square" lIns="91425" tIns="91425" rIns="91425" bIns="91425" anchor="t" anchorCtr="0">
+            <a:noAutofit/>
+          </a:bodyPr>
+          <a:lstStyle/>
+          <a:p>
+            <a:pPr marL="0" lvl="0" indent="0" algn="l" rtl="0">
+              <a:spcBef>
+                <a:spcPts val="0"/>
+              </a:spcBef>
+              <a:spcAft>
+                <a:spcPts val="0"/>
+              </a:spcAft>
+              <a:buNone/>
+            </a:pPr>
+            <a:endParaRPr/>
+          </a:p>
+        </p:txBody>
+      </p:sp>
+    </p:spTree>
+  </p:cSld>
+  <p:clrMapOvr>
+    <a:masterClrMapping/>
+  </p:clrMapOvr>
+</p:notes>
+</file>
+
+<file path=ppt/notesSlides/notesSlide11.xml><?xml version="1.0" encoding="utf-8"?>
+<p:notes xmlns:a="http://schemas.openxmlformats.org/drawingml/2006/main" xmlns:r="http://schemas.openxmlformats.org/officeDocument/2006/relationships" xmlns:p="http://schemas.openxmlformats.org/presentationml/2006/main" showMasterSp="0" showMasterPhAnim="0">
+  <p:cSld>
+    <p:spTree>
+      <p:nvGrpSpPr>
         <p:cNvPr id="1" name="Shape 502"/>
         <p:cNvGrpSpPr/>
         <p:nvPr/>
@@ -924,7 +1029,7 @@
 </p:notes>
 </file>
 
-<file path=ppt/notesSlides/notesSlide11.xml><?xml version="1.0" encoding="utf-8"?>
+<file path=ppt/notesSlides/notesSlide12.xml><?xml version="1.0" encoding="utf-8"?>
 <p:notes xmlns:a="http://schemas.openxmlformats.org/drawingml/2006/main" xmlns:r="http://schemas.openxmlformats.org/officeDocument/2006/relationships" xmlns:p="http://schemas.openxmlformats.org/presentationml/2006/main" showMasterSp="0" showMasterPhAnim="0">
   <p:cSld>
     <p:spTree>
@@ -1028,7 +1133,7 @@
 </p:notes>
 </file>
 
-<file path=ppt/notesSlides/notesSlide12.xml><?xml version="1.0" encoding="utf-8"?>
+<file path=ppt/notesSlides/notesSlide13.xml><?xml version="1.0" encoding="utf-8"?>
 <p:notes xmlns:a="http://schemas.openxmlformats.org/drawingml/2006/main" xmlns:r="http://schemas.openxmlformats.org/officeDocument/2006/relationships" xmlns:p="http://schemas.openxmlformats.org/presentationml/2006/main" showMasterSp="0" showMasterPhAnim="0">
   <p:cSld>
     <p:spTree>
@@ -1089,110 +1194,6 @@
       <p:sp>
         <p:nvSpPr>
           <p:cNvPr id="450" name="Google Shape;450;g8dec9ae14f_0_62:notes"/>
-          <p:cNvSpPr txBox="1">
-            <a:spLocks noGrp="1"/>
-          </p:cNvSpPr>
-          <p:nvPr>
-            <p:ph type="body" idx="1"/>
-          </p:nvPr>
-        </p:nvSpPr>
-        <p:spPr>
-          <a:xfrm>
-            <a:off x="685800" y="4343400"/>
-            <a:ext cx="5486400" cy="4114800"/>
-          </a:xfrm>
-          <a:prstGeom prst="rect">
-            <a:avLst/>
-          </a:prstGeom>
-        </p:spPr>
-        <p:txBody>
-          <a:bodyPr spcFirstLastPara="1" wrap="square" lIns="91425" tIns="91425" rIns="91425" bIns="91425" anchor="t" anchorCtr="0">
-            <a:noAutofit/>
-          </a:bodyPr>
-          <a:lstStyle/>
-          <a:p>
-            <a:pPr marL="0" lvl="0" indent="0" algn="l" rtl="0">
-              <a:spcBef>
-                <a:spcPts val="0"/>
-              </a:spcBef>
-              <a:spcAft>
-                <a:spcPts val="0"/>
-              </a:spcAft>
-              <a:buNone/>
-            </a:pPr>
-            <a:endParaRPr/>
-          </a:p>
-        </p:txBody>
-      </p:sp>
-    </p:spTree>
-  </p:cSld>
-  <p:clrMapOvr>
-    <a:masterClrMapping/>
-  </p:clrMapOvr>
-</p:notes>
-</file>
-
-<file path=ppt/notesSlides/notesSlide13.xml><?xml version="1.0" encoding="utf-8"?>
-<p:notes xmlns:a="http://schemas.openxmlformats.org/drawingml/2006/main" xmlns:r="http://schemas.openxmlformats.org/officeDocument/2006/relationships" xmlns:p="http://schemas.openxmlformats.org/presentationml/2006/main" showMasterSp="0" showMasterPhAnim="0">
-  <p:cSld>
-    <p:spTree>
-      <p:nvGrpSpPr>
-        <p:cNvPr id="1" name="Shape 356"/>
-        <p:cNvGrpSpPr/>
-        <p:nvPr/>
-      </p:nvGrpSpPr>
-      <p:grpSpPr>
-        <a:xfrm>
-          <a:off x="0" y="0"/>
-          <a:ext cx="0" cy="0"/>
-          <a:chOff x="0" y="0"/>
-          <a:chExt cx="0" cy="0"/>
-        </a:xfrm>
-      </p:grpSpPr>
-      <p:sp>
-        <p:nvSpPr>
-          <p:cNvPr id="357" name="Google Shape;357;g8b9fd0675c_0_4:notes"/>
-          <p:cNvSpPr>
-            <a:spLocks noGrp="1" noRot="1" noChangeAspect="1"/>
-          </p:cNvSpPr>
-          <p:nvPr>
-            <p:ph type="sldImg" idx="2"/>
-          </p:nvPr>
-        </p:nvSpPr>
-        <p:spPr>
-          <a:xfrm>
-            <a:off x="381000" y="685800"/>
-            <a:ext cx="6096000" cy="3429000"/>
-          </a:xfrm>
-          <a:custGeom>
-            <a:avLst/>
-            <a:gdLst/>
-            <a:ahLst/>
-            <a:cxnLst/>
-            <a:rect l="l" t="t" r="r" b="b"/>
-            <a:pathLst>
-              <a:path w="120000" h="120000" extrusionOk="0">
-                <a:moveTo>
-                  <a:pt x="0" y="0"/>
-                </a:moveTo>
-                <a:lnTo>
-                  <a:pt x="120000" y="0"/>
-                </a:lnTo>
-                <a:lnTo>
-                  <a:pt x="120000" y="120000"/>
-                </a:lnTo>
-                <a:lnTo>
-                  <a:pt x="0" y="120000"/>
-                </a:lnTo>
-                <a:close/>
-              </a:path>
-            </a:pathLst>
-          </a:custGeom>
-        </p:spPr>
-      </p:sp>
-      <p:sp>
-        <p:nvSpPr>
-          <p:cNvPr id="358" name="Google Shape;358;g8b9fd0675c_0_4:notes"/>
           <p:cNvSpPr txBox="1">
             <a:spLocks noGrp="1"/>
           </p:cNvSpPr>
@@ -1345,7 +1346,7 @@
   <p:cSld>
     <p:spTree>
       <p:nvGrpSpPr>
-        <p:cNvPr id="1" name="Shape 448"/>
+        <p:cNvPr id="1" name="Shape 356"/>
         <p:cNvGrpSpPr/>
         <p:nvPr/>
       </p:nvGrpSpPr>
@@ -1359,7 +1360,7 @@
       </p:grpSpPr>
       <p:sp>
         <p:nvSpPr>
-          <p:cNvPr id="449" name="Google Shape;449;g8dec9ae14f_0_62:notes"/>
+          <p:cNvPr id="357" name="Google Shape;357;g8b9fd0675c_0_4:notes"/>
           <p:cNvSpPr>
             <a:spLocks noGrp="1" noRot="1" noChangeAspect="1"/>
           </p:cNvSpPr>
@@ -1400,7 +1401,7 @@
       </p:sp>
       <p:sp>
         <p:nvSpPr>
-          <p:cNvPr id="450" name="Google Shape;450;g8dec9ae14f_0_62:notes"/>
+          <p:cNvPr id="358" name="Google Shape;358;g8b9fd0675c_0_4:notes"/>
           <p:cNvSpPr txBox="1">
             <a:spLocks noGrp="1"/>
           </p:cNvSpPr>
@@ -1536,6 +1537,110 @@
               </a:spcAft>
               <a:buNone/>
             </a:pPr>
+            <a:endParaRPr/>
+          </a:p>
+        </p:txBody>
+      </p:sp>
+    </p:spTree>
+  </p:cSld>
+  <p:clrMapOvr>
+    <a:masterClrMapping/>
+  </p:clrMapOvr>
+</p:notes>
+</file>
+
+<file path=ppt/notesSlides/notesSlide17.xml><?xml version="1.0" encoding="utf-8"?>
+<p:notes xmlns:a="http://schemas.openxmlformats.org/drawingml/2006/main" xmlns:r="http://schemas.openxmlformats.org/officeDocument/2006/relationships" xmlns:p="http://schemas.openxmlformats.org/presentationml/2006/main" showMasterSp="0" showMasterPhAnim="0">
+  <p:cSld>
+    <p:spTree>
+      <p:nvGrpSpPr>
+        <p:cNvPr id="1" name="Shape 448"/>
+        <p:cNvGrpSpPr/>
+        <p:nvPr/>
+      </p:nvGrpSpPr>
+      <p:grpSpPr>
+        <a:xfrm>
+          <a:off x="0" y="0"/>
+          <a:ext cx="0" cy="0"/>
+          <a:chOff x="0" y="0"/>
+          <a:chExt cx="0" cy="0"/>
+        </a:xfrm>
+      </p:grpSpPr>
+      <p:sp>
+        <p:nvSpPr>
+          <p:cNvPr id="449" name="Google Shape;449;g8dec9ae14f_0_62:notes"/>
+          <p:cNvSpPr>
+            <a:spLocks noGrp="1" noRot="1" noChangeAspect="1"/>
+          </p:cNvSpPr>
+          <p:nvPr>
+            <p:ph type="sldImg" idx="2"/>
+          </p:nvPr>
+        </p:nvSpPr>
+        <p:spPr>
+          <a:xfrm>
+            <a:off x="381000" y="685800"/>
+            <a:ext cx="6096000" cy="3429000"/>
+          </a:xfrm>
+          <a:custGeom>
+            <a:avLst/>
+            <a:gdLst/>
+            <a:ahLst/>
+            <a:cxnLst/>
+            <a:rect l="l" t="t" r="r" b="b"/>
+            <a:pathLst>
+              <a:path w="120000" h="120000" extrusionOk="0">
+                <a:moveTo>
+                  <a:pt x="0" y="0"/>
+                </a:moveTo>
+                <a:lnTo>
+                  <a:pt x="120000" y="0"/>
+                </a:lnTo>
+                <a:lnTo>
+                  <a:pt x="120000" y="120000"/>
+                </a:lnTo>
+                <a:lnTo>
+                  <a:pt x="0" y="120000"/>
+                </a:lnTo>
+                <a:close/>
+              </a:path>
+            </a:pathLst>
+          </a:custGeom>
+        </p:spPr>
+      </p:sp>
+      <p:sp>
+        <p:nvSpPr>
+          <p:cNvPr id="450" name="Google Shape;450;g8dec9ae14f_0_62:notes"/>
+          <p:cNvSpPr txBox="1">
+            <a:spLocks noGrp="1"/>
+          </p:cNvSpPr>
+          <p:nvPr>
+            <p:ph type="body" idx="1"/>
+          </p:nvPr>
+        </p:nvSpPr>
+        <p:spPr>
+          <a:xfrm>
+            <a:off x="685800" y="4343400"/>
+            <a:ext cx="5486400" cy="4114800"/>
+          </a:xfrm>
+          <a:prstGeom prst="rect">
+            <a:avLst/>
+          </a:prstGeom>
+        </p:spPr>
+        <p:txBody>
+          <a:bodyPr spcFirstLastPara="1" wrap="square" lIns="91425" tIns="91425" rIns="91425" bIns="91425" anchor="t" anchorCtr="0">
+            <a:noAutofit/>
+          </a:bodyPr>
+          <a:lstStyle/>
+          <a:p>
+            <a:pPr marL="0" lvl="0" indent="0" algn="l" rtl="0">
+              <a:spcBef>
+                <a:spcPts val="0"/>
+              </a:spcBef>
+              <a:spcAft>
+                <a:spcPts val="0"/>
+              </a:spcAft>
+              <a:buNone/>
+            </a:pPr>
             <a:endParaRPr dirty="0"/>
           </a:p>
         </p:txBody>
@@ -1548,7 +1653,7 @@
 </p:notes>
 </file>
 
-<file path=ppt/notesSlides/notesSlide17.xml><?xml version="1.0" encoding="utf-8"?>
+<file path=ppt/notesSlides/notesSlide18.xml><?xml version="1.0" encoding="utf-8"?>
 <p:notes xmlns:a="http://schemas.openxmlformats.org/drawingml/2006/main" xmlns:r="http://schemas.openxmlformats.org/officeDocument/2006/relationships" xmlns:p="http://schemas.openxmlformats.org/presentationml/2006/main" showMasterSp="0" showMasterPhAnim="0">
   <p:cSld>
     <p:spTree>
@@ -1652,7 +1757,7 @@
 </p:notes>
 </file>
 
-<file path=ppt/notesSlides/notesSlide18.xml><?xml version="1.0" encoding="utf-8"?>
+<file path=ppt/notesSlides/notesSlide19.xml><?xml version="1.0" encoding="utf-8"?>
 <p:notes xmlns:a="http://schemas.openxmlformats.org/drawingml/2006/main" xmlns:r="http://schemas.openxmlformats.org/officeDocument/2006/relationships" xmlns:p="http://schemas.openxmlformats.org/presentationml/2006/main" showMasterSp="0" showMasterPhAnim="0">
   <p:cSld>
     <p:spTree>
@@ -1713,110 +1818,6 @@
       <p:sp>
         <p:nvSpPr>
           <p:cNvPr id="384" name="Google Shape;384;g822dda0a4d_0_153:notes"/>
-          <p:cNvSpPr txBox="1">
-            <a:spLocks noGrp="1"/>
-          </p:cNvSpPr>
-          <p:nvPr>
-            <p:ph type="body" idx="1"/>
-          </p:nvPr>
-        </p:nvSpPr>
-        <p:spPr>
-          <a:xfrm>
-            <a:off x="685800" y="4343400"/>
-            <a:ext cx="5486400" cy="4114800"/>
-          </a:xfrm>
-          <a:prstGeom prst="rect">
-            <a:avLst/>
-          </a:prstGeom>
-        </p:spPr>
-        <p:txBody>
-          <a:bodyPr spcFirstLastPara="1" wrap="square" lIns="91425" tIns="91425" rIns="91425" bIns="91425" anchor="t" anchorCtr="0">
-            <a:noAutofit/>
-          </a:bodyPr>
-          <a:lstStyle/>
-          <a:p>
-            <a:pPr marL="0" lvl="0" indent="0" algn="l" rtl="0">
-              <a:spcBef>
-                <a:spcPts val="0"/>
-              </a:spcBef>
-              <a:spcAft>
-                <a:spcPts val="0"/>
-              </a:spcAft>
-              <a:buNone/>
-            </a:pPr>
-            <a:endParaRPr/>
-          </a:p>
-        </p:txBody>
-      </p:sp>
-    </p:spTree>
-  </p:cSld>
-  <p:clrMapOvr>
-    <a:masterClrMapping/>
-  </p:clrMapOvr>
-</p:notes>
-</file>
-
-<file path=ppt/notesSlides/notesSlide19.xml><?xml version="1.0" encoding="utf-8"?>
-<p:notes xmlns:a="http://schemas.openxmlformats.org/drawingml/2006/main" xmlns:r="http://schemas.openxmlformats.org/officeDocument/2006/relationships" xmlns:p="http://schemas.openxmlformats.org/presentationml/2006/main" showMasterSp="0" showMasterPhAnim="0">
-  <p:cSld>
-    <p:spTree>
-      <p:nvGrpSpPr>
-        <p:cNvPr id="1" name="Shape 356"/>
-        <p:cNvGrpSpPr/>
-        <p:nvPr/>
-      </p:nvGrpSpPr>
-      <p:grpSpPr>
-        <a:xfrm>
-          <a:off x="0" y="0"/>
-          <a:ext cx="0" cy="0"/>
-          <a:chOff x="0" y="0"/>
-          <a:chExt cx="0" cy="0"/>
-        </a:xfrm>
-      </p:grpSpPr>
-      <p:sp>
-        <p:nvSpPr>
-          <p:cNvPr id="357" name="Google Shape;357;g8b9fd0675c_0_4:notes"/>
-          <p:cNvSpPr>
-            <a:spLocks noGrp="1" noRot="1" noChangeAspect="1"/>
-          </p:cNvSpPr>
-          <p:nvPr>
-            <p:ph type="sldImg" idx="2"/>
-          </p:nvPr>
-        </p:nvSpPr>
-        <p:spPr>
-          <a:xfrm>
-            <a:off x="381000" y="685800"/>
-            <a:ext cx="6096000" cy="3429000"/>
-          </a:xfrm>
-          <a:custGeom>
-            <a:avLst/>
-            <a:gdLst/>
-            <a:ahLst/>
-            <a:cxnLst/>
-            <a:rect l="l" t="t" r="r" b="b"/>
-            <a:pathLst>
-              <a:path w="120000" h="120000" extrusionOk="0">
-                <a:moveTo>
-                  <a:pt x="0" y="0"/>
-                </a:moveTo>
-                <a:lnTo>
-                  <a:pt x="120000" y="0"/>
-                </a:lnTo>
-                <a:lnTo>
-                  <a:pt x="120000" y="120000"/>
-                </a:lnTo>
-                <a:lnTo>
-                  <a:pt x="0" y="120000"/>
-                </a:lnTo>
-                <a:close/>
-              </a:path>
-            </a:pathLst>
-          </a:custGeom>
-        </p:spPr>
-      </p:sp>
-      <p:sp>
-        <p:nvSpPr>
-          <p:cNvPr id="358" name="Google Shape;358;g8b9fd0675c_0_4:notes"/>
           <p:cNvSpPr txBox="1">
             <a:spLocks noGrp="1"/>
           </p:cNvSpPr>
@@ -1969,7 +1970,7 @@
   <p:cSld>
     <p:spTree>
       <p:nvGrpSpPr>
-        <p:cNvPr id="1" name="Shape 448"/>
+        <p:cNvPr id="1" name="Shape 356"/>
         <p:cNvGrpSpPr/>
         <p:nvPr/>
       </p:nvGrpSpPr>
@@ -1983,7 +1984,7 @@
       </p:grpSpPr>
       <p:sp>
         <p:nvSpPr>
-          <p:cNvPr id="449" name="Google Shape;449;g8dec9ae14f_0_62:notes"/>
+          <p:cNvPr id="357" name="Google Shape;357;g8b9fd0675c_0_4:notes"/>
           <p:cNvSpPr>
             <a:spLocks noGrp="1" noRot="1" noChangeAspect="1"/>
           </p:cNvSpPr>
@@ -2024,7 +2025,7 @@
       </p:sp>
       <p:sp>
         <p:nvSpPr>
-          <p:cNvPr id="450" name="Google Shape;450;g8dec9ae14f_0_62:notes"/>
+          <p:cNvPr id="358" name="Google Shape;358;g8b9fd0675c_0_4:notes"/>
           <p:cNvSpPr txBox="1">
             <a:spLocks noGrp="1"/>
           </p:cNvSpPr>
@@ -2281,7 +2282,7 @@
   <p:cSld>
     <p:spTree>
       <p:nvGrpSpPr>
-        <p:cNvPr id="1" name="Shape 356"/>
+        <p:cNvPr id="1" name="Shape 448"/>
         <p:cNvGrpSpPr/>
         <p:nvPr/>
       </p:nvGrpSpPr>
@@ -2295,7 +2296,7 @@
       </p:grpSpPr>
       <p:sp>
         <p:nvSpPr>
-          <p:cNvPr id="357" name="Google Shape;357;g8b9fd0675c_0_4:notes"/>
+          <p:cNvPr id="449" name="Google Shape;449;g8dec9ae14f_0_62:notes"/>
           <p:cNvSpPr>
             <a:spLocks noGrp="1" noRot="1" noChangeAspect="1"/>
           </p:cNvSpPr>
@@ -2336,7 +2337,7 @@
       </p:sp>
       <p:sp>
         <p:nvSpPr>
-          <p:cNvPr id="358" name="Google Shape;358;g8b9fd0675c_0_4:notes"/>
+          <p:cNvPr id="450" name="Google Shape;450;g8dec9ae14f_0_62:notes"/>
           <p:cNvSpPr txBox="1">
             <a:spLocks noGrp="1"/>
           </p:cNvSpPr>
@@ -2489,7 +2490,7 @@
   <p:cSld>
     <p:spTree>
       <p:nvGrpSpPr>
-        <p:cNvPr id="1" name="Shape 448"/>
+        <p:cNvPr id="1" name="Shape 356"/>
         <p:cNvGrpSpPr/>
         <p:nvPr/>
       </p:nvGrpSpPr>
@@ -2503,7 +2504,7 @@
       </p:grpSpPr>
       <p:sp>
         <p:nvSpPr>
-          <p:cNvPr id="449" name="Google Shape;449;g8dec9ae14f_0_62:notes"/>
+          <p:cNvPr id="357" name="Google Shape;357;g8b9fd0675c_0_4:notes"/>
           <p:cNvSpPr>
             <a:spLocks noGrp="1" noRot="1" noChangeAspect="1"/>
           </p:cNvSpPr>
@@ -2544,7 +2545,7 @@
       </p:sp>
       <p:sp>
         <p:nvSpPr>
-          <p:cNvPr id="450" name="Google Shape;450;g8dec9ae14f_0_62:notes"/>
+          <p:cNvPr id="358" name="Google Shape;358;g8b9fd0675c_0_4:notes"/>
           <p:cNvSpPr txBox="1">
             <a:spLocks noGrp="1"/>
           </p:cNvSpPr>
@@ -2680,7 +2681,7 @@
               </a:spcAft>
               <a:buNone/>
             </a:pPr>
-            <a:endParaRPr dirty="0"/>
+            <a:endParaRPr/>
           </a:p>
         </p:txBody>
       </p:sp>
@@ -2697,7 +2698,7 @@
   <p:cSld>
     <p:spTree>
       <p:nvGrpSpPr>
-        <p:cNvPr id="1" name="Shape 502"/>
+        <p:cNvPr id="1" name="Shape 448"/>
         <p:cNvGrpSpPr/>
         <p:nvPr/>
       </p:nvGrpSpPr>
@@ -2711,7 +2712,7 @@
       </p:grpSpPr>
       <p:sp>
         <p:nvSpPr>
-          <p:cNvPr id="503" name="Google Shape;503;g8b2f66a28e_0_74:notes"/>
+          <p:cNvPr id="449" name="Google Shape;449;g8dec9ae14f_0_62:notes"/>
           <p:cNvSpPr>
             <a:spLocks noGrp="1" noRot="1" noChangeAspect="1"/>
           </p:cNvSpPr>
@@ -2752,7 +2753,7 @@
       </p:sp>
       <p:sp>
         <p:nvSpPr>
-          <p:cNvPr id="504" name="Google Shape;504;g8b2f66a28e_0_74:notes"/>
+          <p:cNvPr id="450" name="Google Shape;450;g8dec9ae14f_0_62:notes"/>
           <p:cNvSpPr txBox="1">
             <a:spLocks noGrp="1"/>
           </p:cNvSpPr>
@@ -2784,7 +2785,7 @@
               </a:spcAft>
               <a:buNone/>
             </a:pPr>
-            <a:endParaRPr/>
+            <a:endParaRPr dirty="0"/>
           </a:p>
         </p:txBody>
       </p:sp>
@@ -2905,7 +2906,7 @@
   <p:cSld>
     <p:spTree>
       <p:nvGrpSpPr>
-        <p:cNvPr id="1" name="Shape 356"/>
+        <p:cNvPr id="1" name="Shape 502"/>
         <p:cNvGrpSpPr/>
         <p:nvPr/>
       </p:nvGrpSpPr>
@@ -2919,7 +2920,7 @@
       </p:grpSpPr>
       <p:sp>
         <p:nvSpPr>
-          <p:cNvPr id="357" name="Google Shape;357;g8b9fd0675c_0_4:notes"/>
+          <p:cNvPr id="503" name="Google Shape;503;g8b2f66a28e_0_74:notes"/>
           <p:cNvSpPr>
             <a:spLocks noGrp="1" noRot="1" noChangeAspect="1"/>
           </p:cNvSpPr>
@@ -2960,7 +2961,7 @@
       </p:sp>
       <p:sp>
         <p:nvSpPr>
-          <p:cNvPr id="358" name="Google Shape;358;g8b9fd0675c_0_4:notes"/>
+          <p:cNvPr id="504" name="Google Shape;504;g8b2f66a28e_0_74:notes"/>
           <p:cNvSpPr txBox="1">
             <a:spLocks noGrp="1"/>
           </p:cNvSpPr>
@@ -3113,6 +3114,110 @@
   <p:cSld>
     <p:spTree>
       <p:nvGrpSpPr>
+        <p:cNvPr id="1" name="Shape 356"/>
+        <p:cNvGrpSpPr/>
+        <p:nvPr/>
+      </p:nvGrpSpPr>
+      <p:grpSpPr>
+        <a:xfrm>
+          <a:off x="0" y="0"/>
+          <a:ext cx="0" cy="0"/>
+          <a:chOff x="0" y="0"/>
+          <a:chExt cx="0" cy="0"/>
+        </a:xfrm>
+      </p:grpSpPr>
+      <p:sp>
+        <p:nvSpPr>
+          <p:cNvPr id="357" name="Google Shape;357;g8b9fd0675c_0_4:notes"/>
+          <p:cNvSpPr>
+            <a:spLocks noGrp="1" noRot="1" noChangeAspect="1"/>
+          </p:cNvSpPr>
+          <p:nvPr>
+            <p:ph type="sldImg" idx="2"/>
+          </p:nvPr>
+        </p:nvSpPr>
+        <p:spPr>
+          <a:xfrm>
+            <a:off x="381000" y="685800"/>
+            <a:ext cx="6096000" cy="3429000"/>
+          </a:xfrm>
+          <a:custGeom>
+            <a:avLst/>
+            <a:gdLst/>
+            <a:ahLst/>
+            <a:cxnLst/>
+            <a:rect l="l" t="t" r="r" b="b"/>
+            <a:pathLst>
+              <a:path w="120000" h="120000" extrusionOk="0">
+                <a:moveTo>
+                  <a:pt x="0" y="0"/>
+                </a:moveTo>
+                <a:lnTo>
+                  <a:pt x="120000" y="0"/>
+                </a:lnTo>
+                <a:lnTo>
+                  <a:pt x="120000" y="120000"/>
+                </a:lnTo>
+                <a:lnTo>
+                  <a:pt x="0" y="120000"/>
+                </a:lnTo>
+                <a:close/>
+              </a:path>
+            </a:pathLst>
+          </a:custGeom>
+        </p:spPr>
+      </p:sp>
+      <p:sp>
+        <p:nvSpPr>
+          <p:cNvPr id="358" name="Google Shape;358;g8b9fd0675c_0_4:notes"/>
+          <p:cNvSpPr txBox="1">
+            <a:spLocks noGrp="1"/>
+          </p:cNvSpPr>
+          <p:nvPr>
+            <p:ph type="body" idx="1"/>
+          </p:nvPr>
+        </p:nvSpPr>
+        <p:spPr>
+          <a:xfrm>
+            <a:off x="685800" y="4343400"/>
+            <a:ext cx="5486400" cy="4114800"/>
+          </a:xfrm>
+          <a:prstGeom prst="rect">
+            <a:avLst/>
+          </a:prstGeom>
+        </p:spPr>
+        <p:txBody>
+          <a:bodyPr spcFirstLastPara="1" wrap="square" lIns="91425" tIns="91425" rIns="91425" bIns="91425" anchor="t" anchorCtr="0">
+            <a:noAutofit/>
+          </a:bodyPr>
+          <a:lstStyle/>
+          <a:p>
+            <a:pPr marL="0" lvl="0" indent="0" algn="l" rtl="0">
+              <a:spcBef>
+                <a:spcPts val="0"/>
+              </a:spcBef>
+              <a:spcAft>
+                <a:spcPts val="0"/>
+              </a:spcAft>
+              <a:buNone/>
+            </a:pPr>
+            <a:endParaRPr/>
+          </a:p>
+        </p:txBody>
+      </p:sp>
+    </p:spTree>
+  </p:cSld>
+  <p:clrMapOvr>
+    <a:masterClrMapping/>
+  </p:clrMapOvr>
+</p:notes>
+</file>
+
+<file path=ppt/notesSlides/notesSlide31.xml><?xml version="1.0" encoding="utf-8"?>
+<p:notes xmlns:a="http://schemas.openxmlformats.org/drawingml/2006/main" xmlns:r="http://schemas.openxmlformats.org/officeDocument/2006/relationships" xmlns:p="http://schemas.openxmlformats.org/presentationml/2006/main" showMasterSp="0" showMasterPhAnim="0">
+  <p:cSld>
+    <p:spTree>
+      <p:nvGrpSpPr>
         <p:cNvPr id="1" name="Shape 858"/>
         <p:cNvGrpSpPr/>
         <p:nvPr/>
@@ -3212,7 +3317,7 @@
 </p:notes>
 </file>
 
-<file path=ppt/notesSlides/notesSlide31.xml><?xml version="1.0" encoding="utf-8"?>
+<file path=ppt/notesSlides/notesSlide32.xml><?xml version="1.0" encoding="utf-8"?>
 <p:notes xmlns:a="http://schemas.openxmlformats.org/drawingml/2006/main" xmlns:r="http://schemas.openxmlformats.org/officeDocument/2006/relationships" xmlns:p="http://schemas.openxmlformats.org/presentationml/2006/main" showMasterSp="0" showMasterPhAnim="0">
   <p:cSld>
     <p:spTree>
@@ -3737,7 +3842,7 @@
   <p:cSld>
     <p:spTree>
       <p:nvGrpSpPr>
-        <p:cNvPr id="1" name="Shape 448"/>
+        <p:cNvPr id="1" name="Shape 356"/>
         <p:cNvGrpSpPr/>
         <p:nvPr/>
       </p:nvGrpSpPr>
@@ -3751,7 +3856,7 @@
       </p:grpSpPr>
       <p:sp>
         <p:nvSpPr>
-          <p:cNvPr id="449" name="Google Shape;449;g8dec9ae14f_0_62:notes"/>
+          <p:cNvPr id="357" name="Google Shape;357;g8b9fd0675c_0_4:notes"/>
           <p:cNvSpPr>
             <a:spLocks noGrp="1" noRot="1" noChangeAspect="1"/>
           </p:cNvSpPr>
@@ -3792,7 +3897,7 @@
       </p:sp>
       <p:sp>
         <p:nvSpPr>
-          <p:cNvPr id="450" name="Google Shape;450;g8dec9ae14f_0_62:notes"/>
+          <p:cNvPr id="358" name="Google Shape;358;g8b9fd0675c_0_4:notes"/>
           <p:cNvSpPr txBox="1">
             <a:spLocks noGrp="1"/>
           </p:cNvSpPr>
@@ -34791,6 +34896,199 @@
   <p:cSld>
     <p:spTree>
       <p:nvGrpSpPr>
+        <p:cNvPr id="1" name="Shape 451"/>
+        <p:cNvGrpSpPr/>
+        <p:nvPr/>
+      </p:nvGrpSpPr>
+      <p:grpSpPr>
+        <a:xfrm>
+          <a:off x="0" y="0"/>
+          <a:ext cx="0" cy="0"/>
+          <a:chOff x="0" y="0"/>
+          <a:chExt cx="0" cy="0"/>
+        </a:xfrm>
+      </p:grpSpPr>
+      <p:sp>
+        <p:nvSpPr>
+          <p:cNvPr id="452" name="Google Shape;452;p36"/>
+          <p:cNvSpPr txBox="1">
+            <a:spLocks noGrp="1"/>
+          </p:cNvSpPr>
+          <p:nvPr>
+            <p:ph type="title"/>
+          </p:nvPr>
+        </p:nvSpPr>
+        <p:spPr>
+          <a:xfrm>
+            <a:off x="3227787" y="934700"/>
+            <a:ext cx="2688125" cy="538300"/>
+          </a:xfrm>
+          <a:prstGeom prst="rect">
+            <a:avLst/>
+          </a:prstGeom>
+        </p:spPr>
+        <p:txBody>
+          <a:bodyPr spcFirstLastPara="1" wrap="square" lIns="91425" tIns="91425" rIns="91425" bIns="91425" anchor="ctr" anchorCtr="0">
+            <a:noAutofit/>
+          </a:bodyPr>
+          <a:lstStyle/>
+          <a:p>
+            <a:pPr marL="0" lvl="0" indent="0" algn="ctr" rtl="0">
+              <a:spcBef>
+                <a:spcPts val="0"/>
+              </a:spcBef>
+              <a:spcAft>
+                <a:spcPts val="0"/>
+              </a:spcAft>
+              <a:buNone/>
+            </a:pPr>
+            <a:r>
+              <a:rPr lang="fr-FR" dirty="0"/>
+              <a:t>Suppléments</a:t>
+            </a:r>
+            <a:endParaRPr dirty="0"/>
+          </a:p>
+        </p:txBody>
+      </p:sp>
+      <p:sp>
+        <p:nvSpPr>
+          <p:cNvPr id="453" name="Google Shape;453;p36"/>
+          <p:cNvSpPr txBox="1">
+            <a:spLocks noGrp="1"/>
+          </p:cNvSpPr>
+          <p:nvPr>
+            <p:ph type="subTitle" idx="1"/>
+          </p:nvPr>
+        </p:nvSpPr>
+        <p:spPr>
+          <a:xfrm>
+            <a:off x="1874367" y="1951175"/>
+            <a:ext cx="5394963" cy="2257625"/>
+          </a:xfrm>
+          <a:prstGeom prst="rect">
+            <a:avLst/>
+          </a:prstGeom>
+        </p:spPr>
+        <p:txBody>
+          <a:bodyPr spcFirstLastPara="1" wrap="square" lIns="91425" tIns="0" rIns="91425" bIns="91425" anchor="t" anchorCtr="0">
+            <a:noAutofit/>
+          </a:bodyPr>
+          <a:lstStyle/>
+          <a:p>
+            <a:pPr marL="0" lvl="0" indent="0" algn="ctr" rtl="0">
+              <a:spcBef>
+                <a:spcPts val="0"/>
+              </a:spcBef>
+              <a:spcAft>
+                <a:spcPts val="0"/>
+              </a:spcAft>
+              <a:buNone/>
+            </a:pPr>
+            <a:r>
+              <a:rPr lang="fr-BE" sz="1600" dirty="0"/>
+              <a:t>fork1()</a:t>
+            </a:r>
+            <a:r>
+              <a:rPr lang="fr-FR" sz="1600" dirty="0"/>
+              <a:t>, </a:t>
+            </a:r>
+            <a:r>
+              <a:rPr lang="fr-BE" sz="1600" dirty="0"/>
+              <a:t>forkall(), forkx(), forkallx() acceptent un</a:t>
+            </a:r>
+            <a:r>
+              <a:rPr lang="fr-FR" sz="1600" dirty="0"/>
+              <a:t> </a:t>
+            </a:r>
+            <a:r>
+              <a:rPr lang="fr-BE" sz="1600" dirty="0"/>
+              <a:t>argument flags composé d’un OU inclusif au niveau du bit de zéro ou plusieurs</a:t>
+            </a:r>
+            <a:r>
+              <a:rPr lang="fr-FR" sz="1600" dirty="0"/>
+              <a:t> </a:t>
+            </a:r>
+            <a:r>
+              <a:rPr lang="fr-BE" sz="1600" dirty="0"/>
+              <a:t>des</a:t>
+            </a:r>
+            <a:r>
+              <a:rPr lang="fr-FR" sz="1600" dirty="0"/>
+              <a:t> </a:t>
+            </a:r>
+            <a:r>
+              <a:rPr lang="fr-BE" sz="1600" dirty="0"/>
+              <a:t>drapeaux suivants, qui sont définis dans l’en-tête sys/fork.h</a:t>
+            </a:r>
+            <a:r>
+              <a:rPr lang="fr-FR" sz="1600"/>
+              <a:t> </a:t>
+            </a:r>
+          </a:p>
+          <a:p>
+            <a:pPr marL="0" lvl="0" indent="0" algn="ctr" rtl="0">
+              <a:spcBef>
+                <a:spcPts val="0"/>
+              </a:spcBef>
+              <a:spcAft>
+                <a:spcPts val="0"/>
+              </a:spcAft>
+              <a:buNone/>
+            </a:pPr>
+            <a:r>
+              <a:rPr lang="fr-BE" sz="1600"/>
+              <a:t>Si </a:t>
+            </a:r>
+            <a:r>
+              <a:rPr lang="fr-BE" sz="1600" dirty="0"/>
+              <a:t>l’argument </a:t>
+            </a:r>
+            <a:r>
+              <a:rPr lang="fr-FR" sz="1600" dirty="0"/>
+              <a:t>‘</a:t>
+            </a:r>
+            <a:r>
+              <a:rPr lang="fr-BE" sz="1600" dirty="0"/>
+              <a:t>flag</a:t>
+            </a:r>
+            <a:r>
+              <a:rPr lang="fr-FR" sz="1600" dirty="0"/>
+              <a:t>’</a:t>
+            </a:r>
+            <a:r>
+              <a:rPr lang="fr-BE" sz="1600" dirty="0"/>
+              <a:t> est</a:t>
+            </a:r>
+            <a:r>
+              <a:rPr lang="fr-FR" sz="1600" dirty="0"/>
+              <a:t> </a:t>
+            </a:r>
+            <a:r>
+              <a:rPr lang="fr-BE" sz="1600" dirty="0"/>
+              <a:t>0, forkx() est identique à fork() et forkallx() est identique à forkall().</a:t>
+            </a:r>
+            <a:endParaRPr sz="1600" dirty="0"/>
+          </a:p>
+        </p:txBody>
+      </p:sp>
+    </p:spTree>
+    <p:extLst>
+      <p:ext uri="{BB962C8B-B14F-4D97-AF65-F5344CB8AC3E}">
+        <p14:creationId xmlns:p14="http://schemas.microsoft.com/office/powerpoint/2010/main" val="1282159750"/>
+      </p:ext>
+    </p:extLst>
+  </p:cSld>
+  <p:clrMapOvr>
+    <a:masterClrMapping/>
+  </p:clrMapOvr>
+</p:sld>
+</file>
+
+<file path=ppt/slides/slide11.xml><?xml version="1.0" encoding="utf-8"?>
+<p:sld xmlns:a="http://schemas.openxmlformats.org/drawingml/2006/main" xmlns:r="http://schemas.openxmlformats.org/officeDocument/2006/relationships" xmlns:p="http://schemas.openxmlformats.org/presentationml/2006/main">
+  <p:cSld>
+    <p:spTree>
+      <p:nvGrpSpPr>
         <p:cNvPr id="1" name="Shape 505"/>
         <p:cNvGrpSpPr/>
         <p:nvPr/>
@@ -34914,7 +35212,7 @@
 </p:sld>
 </file>
 
-<file path=ppt/slides/slide11.xml><?xml version="1.0" encoding="utf-8"?>
+<file path=ppt/slides/slide12.xml><?xml version="1.0" encoding="utf-8"?>
 <p:sld xmlns:a="http://schemas.openxmlformats.org/drawingml/2006/main" xmlns:r="http://schemas.openxmlformats.org/officeDocument/2006/relationships" xmlns:p="http://schemas.openxmlformats.org/presentationml/2006/main">
   <p:cSld>
     <p:spTree>
@@ -38254,7 +38552,7 @@
 </p:sld>
 </file>
 
-<file path=ppt/slides/slide12.xml><?xml version="1.0" encoding="utf-8"?>
+<file path=ppt/slides/slide13.xml><?xml version="1.0" encoding="utf-8"?>
 <p:sld xmlns:a="http://schemas.openxmlformats.org/drawingml/2006/main" xmlns:r="http://schemas.openxmlformats.org/officeDocument/2006/relationships" xmlns:p="http://schemas.openxmlformats.org/presentationml/2006/main">
   <p:cSld>
     <p:spTree>
@@ -38419,7 +38717,7 @@
 </p:sld>
 </file>
 
-<file path=ppt/slides/slide13.xml><?xml version="1.0" encoding="utf-8"?>
+<file path=ppt/slides/slide14.xml><?xml version="1.0" encoding="utf-8"?>
 <p:sld xmlns:a="http://schemas.openxmlformats.org/drawingml/2006/main" xmlns:r="http://schemas.openxmlformats.org/officeDocument/2006/relationships" xmlns:p="http://schemas.openxmlformats.org/presentationml/2006/main">
   <p:cSld>
     <p:spTree>
@@ -38873,7 +39171,7 @@
 </p:sld>
 </file>
 
-<file path=ppt/slides/slide14.xml><?xml version="1.0" encoding="utf-8"?>
+<file path=ppt/slides/slide15.xml><?xml version="1.0" encoding="utf-8"?>
 <p:sld xmlns:a="http://schemas.openxmlformats.org/drawingml/2006/main" xmlns:r="http://schemas.openxmlformats.org/officeDocument/2006/relationships" xmlns:p="http://schemas.openxmlformats.org/presentationml/2006/main">
   <p:cSld>
     <p:spTree>
@@ -39542,7 +39840,7 @@
 </p:sld>
 </file>
 
-<file path=ppt/slides/slide15.xml><?xml version="1.0" encoding="utf-8"?>
+<file path=ppt/slides/slide16.xml><?xml version="1.0" encoding="utf-8"?>
 <p:sld xmlns:a="http://schemas.openxmlformats.org/drawingml/2006/main" xmlns:r="http://schemas.openxmlformats.org/officeDocument/2006/relationships" xmlns:p="http://schemas.openxmlformats.org/presentationml/2006/main">
   <p:cSld>
     <p:spTree>
@@ -39701,7 +39999,7 @@
 </p:sld>
 </file>
 
-<file path=ppt/slides/slide16.xml><?xml version="1.0" encoding="utf-8"?>
+<file path=ppt/slides/slide17.xml><?xml version="1.0" encoding="utf-8"?>
 <p:sld xmlns:a="http://schemas.openxmlformats.org/drawingml/2006/main" xmlns:r="http://schemas.openxmlformats.org/officeDocument/2006/relationships" xmlns:p="http://schemas.openxmlformats.org/presentationml/2006/main">
   <p:cSld>
     <p:spTree>
@@ -40174,7 +40472,7 @@
 </p:sld>
 </file>
 
-<file path=ppt/slides/slide17.xml><?xml version="1.0" encoding="utf-8"?>
+<file path=ppt/slides/slide18.xml><?xml version="1.0" encoding="utf-8"?>
 <p:sld xmlns:a="http://schemas.openxmlformats.org/drawingml/2006/main" xmlns:r="http://schemas.openxmlformats.org/officeDocument/2006/relationships" xmlns:p="http://schemas.openxmlformats.org/presentationml/2006/main">
   <p:cSld>
     <p:spTree>
@@ -40302,7 +40600,7 @@
 </p:sld>
 </file>
 
-<file path=ppt/slides/slide18.xml><?xml version="1.0" encoding="utf-8"?>
+<file path=ppt/slides/slide19.xml><?xml version="1.0" encoding="utf-8"?>
 <p:sld xmlns:a="http://schemas.openxmlformats.org/drawingml/2006/main" xmlns:r="http://schemas.openxmlformats.org/officeDocument/2006/relationships" xmlns:p="http://schemas.openxmlformats.org/presentationml/2006/main">
   <p:cSld>
     <p:spTree>
@@ -43647,407 +43945,6 @@
 </p:sld>
 </file>
 
-<file path=ppt/slides/slide19.xml><?xml version="1.0" encoding="utf-8"?>
-<p:sld xmlns:a="http://schemas.openxmlformats.org/drawingml/2006/main" xmlns:r="http://schemas.openxmlformats.org/officeDocument/2006/relationships" xmlns:p="http://schemas.openxmlformats.org/presentationml/2006/main">
-  <p:cSld>
-    <p:spTree>
-      <p:nvGrpSpPr>
-        <p:cNvPr id="1" name="Shape 359"/>
-        <p:cNvGrpSpPr/>
-        <p:nvPr/>
-      </p:nvGrpSpPr>
-      <p:grpSpPr>
-        <a:xfrm>
-          <a:off x="0" y="0"/>
-          <a:ext cx="0" cy="0"/>
-          <a:chOff x="0" y="0"/>
-          <a:chExt cx="0" cy="0"/>
-        </a:xfrm>
-      </p:grpSpPr>
-      <p:sp>
-        <p:nvSpPr>
-          <p:cNvPr id="361" name="Google Shape;361;p30"/>
-          <p:cNvSpPr txBox="1">
-            <a:spLocks noGrp="1"/>
-          </p:cNvSpPr>
-          <p:nvPr>
-            <p:ph type="body" idx="1"/>
-          </p:nvPr>
-        </p:nvSpPr>
-        <p:spPr>
-          <a:xfrm>
-            <a:off x="320624" y="1615076"/>
-            <a:ext cx="8502751" cy="2732850"/>
-          </a:xfrm>
-          <a:prstGeom prst="rect">
-            <a:avLst/>
-          </a:prstGeom>
-        </p:spPr>
-        <p:txBody>
-          <a:bodyPr spcFirstLastPara="1" wrap="square" lIns="91425" tIns="91425" rIns="91425" bIns="91425" anchor="t" anchorCtr="0">
-            <a:noAutofit/>
-          </a:bodyPr>
-          <a:lstStyle/>
-          <a:p>
-            <a:pPr marL="0" lvl="0" indent="0" algn="l" rtl="0">
-              <a:spcBef>
-                <a:spcPts val="0"/>
-              </a:spcBef>
-              <a:spcAft>
-                <a:spcPts val="0"/>
-              </a:spcAft>
-              <a:buNone/>
-            </a:pPr>
-            <a:r>
-              <a:rPr lang="fr-BE" sz="1400" dirty="0"/>
-              <a:t>Quand le processus enfant est créé par la fonction enveloppe clone(), il débute son</a:t>
-            </a:r>
-          </a:p>
-          <a:p>
-            <a:pPr marL="0" lvl="0" indent="0" algn="l" rtl="0">
-              <a:spcBef>
-                <a:spcPts val="0"/>
-              </a:spcBef>
-              <a:spcAft>
-                <a:spcPts val="0"/>
-              </a:spcAft>
-              <a:buNone/>
-            </a:pPr>
-            <a:r>
-              <a:rPr lang="fr-BE" sz="1400" dirty="0"/>
-              <a:t>exécution par un appel à la fonction vers laquelle pointe l’argument fn (cela est dif-</a:t>
-            </a:r>
-          </a:p>
-          <a:p>
-            <a:pPr marL="0" lvl="0" indent="0" algn="l" rtl="0">
-              <a:spcBef>
-                <a:spcPts val="0"/>
-              </a:spcBef>
-              <a:spcAft>
-                <a:spcPts val="0"/>
-              </a:spcAft>
-              <a:buNone/>
-            </a:pPr>
-            <a:r>
-              <a:rPr lang="fr-BE" sz="1400" dirty="0"/>
-              <a:t>férent de fork(2), pour lequel l’exécution continue dans le processus enfant à partir</a:t>
-            </a:r>
-          </a:p>
-          <a:p>
-            <a:pPr marL="0" lvl="0" indent="0" algn="l" rtl="0">
-              <a:spcBef>
-                <a:spcPts val="0"/>
-              </a:spcBef>
-              <a:spcAft>
-                <a:spcPts val="0"/>
-              </a:spcAft>
-              <a:buNone/>
-            </a:pPr>
-            <a:r>
-              <a:rPr lang="fr-BE" sz="1400" dirty="0"/>
-              <a:t>du moment de l’appel de fork(2)). L’argument arg est passé comme argument de la</a:t>
-            </a:r>
-          </a:p>
-          <a:p>
-            <a:pPr marL="0" lvl="0" indent="0" algn="l" rtl="0">
-              <a:spcBef>
-                <a:spcPts val="0"/>
-              </a:spcBef>
-              <a:spcAft>
-                <a:spcPts val="0"/>
-              </a:spcAft>
-              <a:buNone/>
-            </a:pPr>
-            <a:r>
-              <a:rPr lang="fr-BE" sz="1400" dirty="0"/>
-              <a:t>fonction fn.</a:t>
-            </a:r>
-          </a:p>
-          <a:p>
-            <a:pPr marL="0" lvl="0" indent="0" algn="l" rtl="0">
-              <a:spcBef>
-                <a:spcPts val="0"/>
-              </a:spcBef>
-              <a:spcAft>
-                <a:spcPts val="0"/>
-              </a:spcAft>
-              <a:buNone/>
-            </a:pPr>
-            <a:endParaRPr lang="fr-BE" sz="1400" dirty="0"/>
-          </a:p>
-          <a:p>
-            <a:pPr marL="0" lvl="0" indent="0" algn="l" rtl="0">
-              <a:spcBef>
-                <a:spcPts val="0"/>
-              </a:spcBef>
-              <a:spcAft>
-                <a:spcPts val="0"/>
-              </a:spcAft>
-              <a:buNone/>
-            </a:pPr>
-            <a:r>
-              <a:rPr lang="fr-BE" sz="1400" dirty="0"/>
-              <a:t>Quand la fonction fn(arg) renvoie, le processus enfant se termine. La valeur en-</a:t>
-            </a:r>
-          </a:p>
-          <a:p>
-            <a:pPr marL="0" lvl="0" indent="0" algn="l" rtl="0">
-              <a:spcBef>
-                <a:spcPts val="0"/>
-              </a:spcBef>
-              <a:spcAft>
-                <a:spcPts val="0"/>
-              </a:spcAft>
-              <a:buNone/>
-            </a:pPr>
-            <a:r>
-              <a:rPr lang="fr-BE" sz="1400" dirty="0"/>
-              <a:t>tière renvoyée par fn est utilisée comme code de retour du processus enfant. Ce</a:t>
-            </a:r>
-          </a:p>
-          <a:p>
-            <a:pPr marL="0" lvl="0" indent="0" algn="l" rtl="0">
-              <a:spcBef>
-                <a:spcPts val="0"/>
-              </a:spcBef>
-              <a:spcAft>
-                <a:spcPts val="0"/>
-              </a:spcAft>
-              <a:buNone/>
-            </a:pPr>
-            <a:r>
-              <a:rPr lang="fr-BE" sz="1400" dirty="0"/>
-              <a:t>dernier peut également se terminer de manière explicite en invoquant la fonction</a:t>
-            </a:r>
-          </a:p>
-          <a:p>
-            <a:pPr marL="0" lvl="0" indent="0" algn="l" rtl="0">
-              <a:spcBef>
-                <a:spcPts val="0"/>
-              </a:spcBef>
-              <a:spcAft>
-                <a:spcPts val="0"/>
-              </a:spcAft>
-              <a:buNone/>
-            </a:pPr>
-            <a:r>
-              <a:rPr lang="fr-BE" sz="1400" dirty="0"/>
-              <a:t>exit(2) ou après la réception d’un signal fatal.</a:t>
-            </a:r>
-          </a:p>
-          <a:p>
-            <a:pPr marL="0" lvl="0" indent="0" algn="l" rtl="0">
-              <a:spcBef>
-                <a:spcPts val="0"/>
-              </a:spcBef>
-              <a:spcAft>
-                <a:spcPts val="0"/>
-              </a:spcAft>
-              <a:buNone/>
-            </a:pPr>
-            <a:endParaRPr lang="fr-BE" sz="1400" dirty="0"/>
-          </a:p>
-          <a:p>
-            <a:pPr marL="0" lvl="0" indent="0" algn="l" rtl="0">
-              <a:spcBef>
-                <a:spcPts val="0"/>
-              </a:spcBef>
-              <a:spcAft>
-                <a:spcPts val="0"/>
-              </a:spcAft>
-              <a:buNone/>
-            </a:pPr>
-            <a:r>
-              <a:rPr lang="fr-BE" sz="1400" dirty="0"/>
-              <a:t>L’argument stack indique l’emplacement de la pile utilisée par le processus enfant.</a:t>
-            </a:r>
-          </a:p>
-          <a:p>
-            <a:pPr marL="0" lvl="0" indent="0" algn="l" rtl="0">
-              <a:spcBef>
-                <a:spcPts val="0"/>
-              </a:spcBef>
-              <a:spcAft>
-                <a:spcPts val="0"/>
-              </a:spcAft>
-              <a:buNone/>
-            </a:pPr>
-            <a:r>
-              <a:rPr lang="fr-BE" sz="1400" dirty="0"/>
-              <a:t>Comme les processus enfant et appelant peuvent partager de la mémoire, il n’est</a:t>
-            </a:r>
-          </a:p>
-          <a:p>
-            <a:pPr marL="0" lvl="0" indent="0" algn="l" rtl="0">
-              <a:spcBef>
-                <a:spcPts val="0"/>
-              </a:spcBef>
-              <a:spcAft>
-                <a:spcPts val="0"/>
-              </a:spcAft>
-              <a:buNone/>
-            </a:pPr>
-            <a:r>
-              <a:rPr lang="fr-BE" sz="1400" dirty="0"/>
-              <a:t>généralement pas possible pour l’enfant d’utiliser la même pile que son parent</a:t>
-            </a:r>
-          </a:p>
-          <a:p>
-            <a:pPr marL="0" lvl="0" indent="0" algn="l" rtl="0">
-              <a:spcBef>
-                <a:spcPts val="0"/>
-              </a:spcBef>
-              <a:spcAft>
-                <a:spcPts val="0"/>
-              </a:spcAft>
-              <a:buNone/>
-            </a:pPr>
-            <a:r>
-              <a:rPr lang="fr-BE" sz="1400" dirty="0"/>
-              <a:t>Remarquez que clone() ne fournit aucun moyen pour que l’appelant</a:t>
-            </a:r>
-          </a:p>
-          <a:p>
-            <a:pPr marL="0" lvl="0" indent="0" algn="l" rtl="0">
-              <a:spcBef>
-                <a:spcPts val="0"/>
-              </a:spcBef>
-              <a:spcAft>
-                <a:spcPts val="0"/>
-              </a:spcAft>
-              <a:buNone/>
-            </a:pPr>
-            <a:r>
-              <a:rPr lang="fr-BE" sz="1400" dirty="0"/>
-              <a:t>puisse informer le noyau de la taille de la zone de la pile.</a:t>
-            </a:r>
-          </a:p>
-        </p:txBody>
-      </p:sp>
-      <p:sp>
-        <p:nvSpPr>
-          <p:cNvPr id="362" name="Google Shape;362;p30"/>
-          <p:cNvSpPr txBox="1">
-            <a:spLocks noGrp="1"/>
-          </p:cNvSpPr>
-          <p:nvPr>
-            <p:ph type="title"/>
-          </p:nvPr>
-        </p:nvSpPr>
-        <p:spPr>
-          <a:xfrm>
-            <a:off x="544950" y="485700"/>
-            <a:ext cx="5614550" cy="669000"/>
-          </a:xfrm>
-          <a:prstGeom prst="rect">
-            <a:avLst/>
-          </a:prstGeom>
-        </p:spPr>
-        <p:txBody>
-          <a:bodyPr spcFirstLastPara="1" wrap="square" lIns="91425" tIns="91425" rIns="91425" bIns="91425" anchor="t" anchorCtr="0">
-            <a:noAutofit/>
-          </a:bodyPr>
-          <a:lstStyle/>
-          <a:p>
-            <a:pPr marL="0" lvl="0" indent="0" algn="l" rtl="0">
-              <a:spcBef>
-                <a:spcPts val="0"/>
-              </a:spcBef>
-              <a:spcAft>
-                <a:spcPts val="0"/>
-              </a:spcAft>
-              <a:buNone/>
-            </a:pPr>
-            <a:r>
-              <a:rPr lang="fr-FR" dirty="0">
-                <a:solidFill>
-                  <a:schemeClr val="dk2"/>
-                </a:solidFill>
-              </a:rPr>
-              <a:t>Fonctionnement</a:t>
-            </a:r>
-            <a:endParaRPr dirty="0">
-              <a:solidFill>
-                <a:schemeClr val="dk2"/>
-              </a:solidFill>
-            </a:endParaRPr>
-          </a:p>
-        </p:txBody>
-      </p:sp>
-      <p:sp>
-        <p:nvSpPr>
-          <p:cNvPr id="363" name="Google Shape;363;p30"/>
-          <p:cNvSpPr/>
-          <p:nvPr/>
-        </p:nvSpPr>
-        <p:spPr>
-          <a:xfrm>
-            <a:off x="7524751" y="3887550"/>
-            <a:ext cx="1619286" cy="241405"/>
-          </a:xfrm>
-          <a:custGeom>
-            <a:avLst/>
-            <a:gdLst/>
-            <a:ahLst/>
-            <a:cxnLst/>
-            <a:rect l="l" t="t" r="r" b="b"/>
-            <a:pathLst>
-              <a:path w="146079" h="5859" extrusionOk="0">
-                <a:moveTo>
-                  <a:pt x="1" y="1"/>
-                </a:moveTo>
-                <a:lnTo>
-                  <a:pt x="1" y="5858"/>
-                </a:lnTo>
-                <a:lnTo>
-                  <a:pt x="146079" y="5858"/>
-                </a:lnTo>
-                <a:lnTo>
-                  <a:pt x="146079" y="1"/>
-                </a:lnTo>
-                <a:close/>
-              </a:path>
-            </a:pathLst>
-          </a:custGeom>
-          <a:solidFill>
-            <a:schemeClr val="dk2"/>
-          </a:solidFill>
-          <a:ln>
-            <a:noFill/>
-          </a:ln>
-        </p:spPr>
-        <p:txBody>
-          <a:bodyPr spcFirstLastPara="1" wrap="square" lIns="91425" tIns="91425" rIns="91425" bIns="91425" anchor="ctr" anchorCtr="0">
-            <a:noAutofit/>
-          </a:bodyPr>
-          <a:lstStyle/>
-          <a:p>
-            <a:pPr marL="0" lvl="0" indent="0" algn="l" rtl="0">
-              <a:spcBef>
-                <a:spcPts val="0"/>
-              </a:spcBef>
-              <a:spcAft>
-                <a:spcPts val="0"/>
-              </a:spcAft>
-              <a:buNone/>
-            </a:pPr>
-            <a:endParaRPr/>
-          </a:p>
-        </p:txBody>
-      </p:sp>
-    </p:spTree>
-    <p:extLst>
-      <p:ext uri="{BB962C8B-B14F-4D97-AF65-F5344CB8AC3E}">
-        <p14:creationId xmlns:p14="http://schemas.microsoft.com/office/powerpoint/2010/main" val="1013918329"/>
-      </p:ext>
-    </p:extLst>
-  </p:cSld>
-  <p:clrMapOvr>
-    <a:masterClrMapping/>
-  </p:clrMapOvr>
-</p:sld>
-</file>
-
 <file path=ppt/slides/slide2.xml><?xml version="1.0" encoding="utf-8"?>
 <p:sld xmlns:a="http://schemas.openxmlformats.org/drawingml/2006/main" xmlns:r="http://schemas.openxmlformats.org/officeDocument/2006/relationships" xmlns:p="http://schemas.openxmlformats.org/presentationml/2006/main">
   <p:cSld>
@@ -44401,6 +44298,407 @@
 </file>
 
 <file path=ppt/slides/slide20.xml><?xml version="1.0" encoding="utf-8"?>
+<p:sld xmlns:a="http://schemas.openxmlformats.org/drawingml/2006/main" xmlns:r="http://schemas.openxmlformats.org/officeDocument/2006/relationships" xmlns:p="http://schemas.openxmlformats.org/presentationml/2006/main">
+  <p:cSld>
+    <p:spTree>
+      <p:nvGrpSpPr>
+        <p:cNvPr id="1" name="Shape 359"/>
+        <p:cNvGrpSpPr/>
+        <p:nvPr/>
+      </p:nvGrpSpPr>
+      <p:grpSpPr>
+        <a:xfrm>
+          <a:off x="0" y="0"/>
+          <a:ext cx="0" cy="0"/>
+          <a:chOff x="0" y="0"/>
+          <a:chExt cx="0" cy="0"/>
+        </a:xfrm>
+      </p:grpSpPr>
+      <p:sp>
+        <p:nvSpPr>
+          <p:cNvPr id="361" name="Google Shape;361;p30"/>
+          <p:cNvSpPr txBox="1">
+            <a:spLocks noGrp="1"/>
+          </p:cNvSpPr>
+          <p:nvPr>
+            <p:ph type="body" idx="1"/>
+          </p:nvPr>
+        </p:nvSpPr>
+        <p:spPr>
+          <a:xfrm>
+            <a:off x="320624" y="1615076"/>
+            <a:ext cx="8502751" cy="2732850"/>
+          </a:xfrm>
+          <a:prstGeom prst="rect">
+            <a:avLst/>
+          </a:prstGeom>
+        </p:spPr>
+        <p:txBody>
+          <a:bodyPr spcFirstLastPara="1" wrap="square" lIns="91425" tIns="91425" rIns="91425" bIns="91425" anchor="t" anchorCtr="0">
+            <a:noAutofit/>
+          </a:bodyPr>
+          <a:lstStyle/>
+          <a:p>
+            <a:pPr marL="0" lvl="0" indent="0" algn="l" rtl="0">
+              <a:spcBef>
+                <a:spcPts val="0"/>
+              </a:spcBef>
+              <a:spcAft>
+                <a:spcPts val="0"/>
+              </a:spcAft>
+              <a:buNone/>
+            </a:pPr>
+            <a:r>
+              <a:rPr lang="fr-BE" sz="1400" dirty="0"/>
+              <a:t>Quand le processus enfant est créé par la fonction enveloppe clone(), il débute son</a:t>
+            </a:r>
+          </a:p>
+          <a:p>
+            <a:pPr marL="0" lvl="0" indent="0" algn="l" rtl="0">
+              <a:spcBef>
+                <a:spcPts val="0"/>
+              </a:spcBef>
+              <a:spcAft>
+                <a:spcPts val="0"/>
+              </a:spcAft>
+              <a:buNone/>
+            </a:pPr>
+            <a:r>
+              <a:rPr lang="fr-BE" sz="1400" dirty="0"/>
+              <a:t>exécution par un appel à la fonction vers laquelle pointe l’argument fn (cela est dif-</a:t>
+            </a:r>
+          </a:p>
+          <a:p>
+            <a:pPr marL="0" lvl="0" indent="0" algn="l" rtl="0">
+              <a:spcBef>
+                <a:spcPts val="0"/>
+              </a:spcBef>
+              <a:spcAft>
+                <a:spcPts val="0"/>
+              </a:spcAft>
+              <a:buNone/>
+            </a:pPr>
+            <a:r>
+              <a:rPr lang="fr-BE" sz="1400" dirty="0"/>
+              <a:t>férent de fork(2), pour lequel l’exécution continue dans le processus enfant à partir</a:t>
+            </a:r>
+          </a:p>
+          <a:p>
+            <a:pPr marL="0" lvl="0" indent="0" algn="l" rtl="0">
+              <a:spcBef>
+                <a:spcPts val="0"/>
+              </a:spcBef>
+              <a:spcAft>
+                <a:spcPts val="0"/>
+              </a:spcAft>
+              <a:buNone/>
+            </a:pPr>
+            <a:r>
+              <a:rPr lang="fr-BE" sz="1400" dirty="0"/>
+              <a:t>du moment de l’appel de fork(2)). L’argument arg est passé comme argument de la</a:t>
+            </a:r>
+          </a:p>
+          <a:p>
+            <a:pPr marL="0" lvl="0" indent="0" algn="l" rtl="0">
+              <a:spcBef>
+                <a:spcPts val="0"/>
+              </a:spcBef>
+              <a:spcAft>
+                <a:spcPts val="0"/>
+              </a:spcAft>
+              <a:buNone/>
+            </a:pPr>
+            <a:r>
+              <a:rPr lang="fr-BE" sz="1400" dirty="0"/>
+              <a:t>fonction fn.</a:t>
+            </a:r>
+          </a:p>
+          <a:p>
+            <a:pPr marL="0" lvl="0" indent="0" algn="l" rtl="0">
+              <a:spcBef>
+                <a:spcPts val="0"/>
+              </a:spcBef>
+              <a:spcAft>
+                <a:spcPts val="0"/>
+              </a:spcAft>
+              <a:buNone/>
+            </a:pPr>
+            <a:endParaRPr lang="fr-BE" sz="1400" dirty="0"/>
+          </a:p>
+          <a:p>
+            <a:pPr marL="0" lvl="0" indent="0" algn="l" rtl="0">
+              <a:spcBef>
+                <a:spcPts val="0"/>
+              </a:spcBef>
+              <a:spcAft>
+                <a:spcPts val="0"/>
+              </a:spcAft>
+              <a:buNone/>
+            </a:pPr>
+            <a:r>
+              <a:rPr lang="fr-BE" sz="1400" dirty="0"/>
+              <a:t>Quand la fonction fn(arg) renvoie, le processus enfant se termine. La valeur en-</a:t>
+            </a:r>
+          </a:p>
+          <a:p>
+            <a:pPr marL="0" lvl="0" indent="0" algn="l" rtl="0">
+              <a:spcBef>
+                <a:spcPts val="0"/>
+              </a:spcBef>
+              <a:spcAft>
+                <a:spcPts val="0"/>
+              </a:spcAft>
+              <a:buNone/>
+            </a:pPr>
+            <a:r>
+              <a:rPr lang="fr-BE" sz="1400" dirty="0"/>
+              <a:t>tière renvoyée par fn est utilisée comme code de retour du processus enfant. Ce</a:t>
+            </a:r>
+          </a:p>
+          <a:p>
+            <a:pPr marL="0" lvl="0" indent="0" algn="l" rtl="0">
+              <a:spcBef>
+                <a:spcPts val="0"/>
+              </a:spcBef>
+              <a:spcAft>
+                <a:spcPts val="0"/>
+              </a:spcAft>
+              <a:buNone/>
+            </a:pPr>
+            <a:r>
+              <a:rPr lang="fr-BE" sz="1400" dirty="0"/>
+              <a:t>dernier peut également se terminer de manière explicite en invoquant la fonction</a:t>
+            </a:r>
+          </a:p>
+          <a:p>
+            <a:pPr marL="0" lvl="0" indent="0" algn="l" rtl="0">
+              <a:spcBef>
+                <a:spcPts val="0"/>
+              </a:spcBef>
+              <a:spcAft>
+                <a:spcPts val="0"/>
+              </a:spcAft>
+              <a:buNone/>
+            </a:pPr>
+            <a:r>
+              <a:rPr lang="fr-BE" sz="1400" dirty="0"/>
+              <a:t>exit(2) ou après la réception d’un signal fatal.</a:t>
+            </a:r>
+          </a:p>
+          <a:p>
+            <a:pPr marL="0" lvl="0" indent="0" algn="l" rtl="0">
+              <a:spcBef>
+                <a:spcPts val="0"/>
+              </a:spcBef>
+              <a:spcAft>
+                <a:spcPts val="0"/>
+              </a:spcAft>
+              <a:buNone/>
+            </a:pPr>
+            <a:endParaRPr lang="fr-BE" sz="1400" dirty="0"/>
+          </a:p>
+          <a:p>
+            <a:pPr marL="0" lvl="0" indent="0" algn="l" rtl="0">
+              <a:spcBef>
+                <a:spcPts val="0"/>
+              </a:spcBef>
+              <a:spcAft>
+                <a:spcPts val="0"/>
+              </a:spcAft>
+              <a:buNone/>
+            </a:pPr>
+            <a:r>
+              <a:rPr lang="fr-BE" sz="1400" dirty="0"/>
+              <a:t>L’argument stack indique l’emplacement de la pile utilisée par le processus enfant.</a:t>
+            </a:r>
+          </a:p>
+          <a:p>
+            <a:pPr marL="0" lvl="0" indent="0" algn="l" rtl="0">
+              <a:spcBef>
+                <a:spcPts val="0"/>
+              </a:spcBef>
+              <a:spcAft>
+                <a:spcPts val="0"/>
+              </a:spcAft>
+              <a:buNone/>
+            </a:pPr>
+            <a:r>
+              <a:rPr lang="fr-BE" sz="1400" dirty="0"/>
+              <a:t>Comme les processus enfant et appelant peuvent partager de la mémoire, il n’est</a:t>
+            </a:r>
+          </a:p>
+          <a:p>
+            <a:pPr marL="0" lvl="0" indent="0" algn="l" rtl="0">
+              <a:spcBef>
+                <a:spcPts val="0"/>
+              </a:spcBef>
+              <a:spcAft>
+                <a:spcPts val="0"/>
+              </a:spcAft>
+              <a:buNone/>
+            </a:pPr>
+            <a:r>
+              <a:rPr lang="fr-BE" sz="1400" dirty="0"/>
+              <a:t>généralement pas possible pour l’enfant d’utiliser la même pile que son parent</a:t>
+            </a:r>
+          </a:p>
+          <a:p>
+            <a:pPr marL="0" lvl="0" indent="0" algn="l" rtl="0">
+              <a:spcBef>
+                <a:spcPts val="0"/>
+              </a:spcBef>
+              <a:spcAft>
+                <a:spcPts val="0"/>
+              </a:spcAft>
+              <a:buNone/>
+            </a:pPr>
+            <a:r>
+              <a:rPr lang="fr-BE" sz="1400" dirty="0"/>
+              <a:t>Remarquez que clone() ne fournit aucun moyen pour que l’appelant</a:t>
+            </a:r>
+          </a:p>
+          <a:p>
+            <a:pPr marL="0" lvl="0" indent="0" algn="l" rtl="0">
+              <a:spcBef>
+                <a:spcPts val="0"/>
+              </a:spcBef>
+              <a:spcAft>
+                <a:spcPts val="0"/>
+              </a:spcAft>
+              <a:buNone/>
+            </a:pPr>
+            <a:r>
+              <a:rPr lang="fr-BE" sz="1400" dirty="0"/>
+              <a:t>puisse informer le noyau de la taille de la zone de la pile.</a:t>
+            </a:r>
+          </a:p>
+        </p:txBody>
+      </p:sp>
+      <p:sp>
+        <p:nvSpPr>
+          <p:cNvPr id="362" name="Google Shape;362;p30"/>
+          <p:cNvSpPr txBox="1">
+            <a:spLocks noGrp="1"/>
+          </p:cNvSpPr>
+          <p:nvPr>
+            <p:ph type="title"/>
+          </p:nvPr>
+        </p:nvSpPr>
+        <p:spPr>
+          <a:xfrm>
+            <a:off x="544950" y="485700"/>
+            <a:ext cx="5614550" cy="669000"/>
+          </a:xfrm>
+          <a:prstGeom prst="rect">
+            <a:avLst/>
+          </a:prstGeom>
+        </p:spPr>
+        <p:txBody>
+          <a:bodyPr spcFirstLastPara="1" wrap="square" lIns="91425" tIns="91425" rIns="91425" bIns="91425" anchor="t" anchorCtr="0">
+            <a:noAutofit/>
+          </a:bodyPr>
+          <a:lstStyle/>
+          <a:p>
+            <a:pPr marL="0" lvl="0" indent="0" algn="l" rtl="0">
+              <a:spcBef>
+                <a:spcPts val="0"/>
+              </a:spcBef>
+              <a:spcAft>
+                <a:spcPts val="0"/>
+              </a:spcAft>
+              <a:buNone/>
+            </a:pPr>
+            <a:r>
+              <a:rPr lang="fr-FR" dirty="0">
+                <a:solidFill>
+                  <a:schemeClr val="dk2"/>
+                </a:solidFill>
+              </a:rPr>
+              <a:t>Fonctionnement</a:t>
+            </a:r>
+            <a:endParaRPr dirty="0">
+              <a:solidFill>
+                <a:schemeClr val="dk2"/>
+              </a:solidFill>
+            </a:endParaRPr>
+          </a:p>
+        </p:txBody>
+      </p:sp>
+      <p:sp>
+        <p:nvSpPr>
+          <p:cNvPr id="363" name="Google Shape;363;p30"/>
+          <p:cNvSpPr/>
+          <p:nvPr/>
+        </p:nvSpPr>
+        <p:spPr>
+          <a:xfrm>
+            <a:off x="7524751" y="3887550"/>
+            <a:ext cx="1619286" cy="241405"/>
+          </a:xfrm>
+          <a:custGeom>
+            <a:avLst/>
+            <a:gdLst/>
+            <a:ahLst/>
+            <a:cxnLst/>
+            <a:rect l="l" t="t" r="r" b="b"/>
+            <a:pathLst>
+              <a:path w="146079" h="5859" extrusionOk="0">
+                <a:moveTo>
+                  <a:pt x="1" y="1"/>
+                </a:moveTo>
+                <a:lnTo>
+                  <a:pt x="1" y="5858"/>
+                </a:lnTo>
+                <a:lnTo>
+                  <a:pt x="146079" y="5858"/>
+                </a:lnTo>
+                <a:lnTo>
+                  <a:pt x="146079" y="1"/>
+                </a:lnTo>
+                <a:close/>
+              </a:path>
+            </a:pathLst>
+          </a:custGeom>
+          <a:solidFill>
+            <a:schemeClr val="dk2"/>
+          </a:solidFill>
+          <a:ln>
+            <a:noFill/>
+          </a:ln>
+        </p:spPr>
+        <p:txBody>
+          <a:bodyPr spcFirstLastPara="1" wrap="square" lIns="91425" tIns="91425" rIns="91425" bIns="91425" anchor="ctr" anchorCtr="0">
+            <a:noAutofit/>
+          </a:bodyPr>
+          <a:lstStyle/>
+          <a:p>
+            <a:pPr marL="0" lvl="0" indent="0" algn="l" rtl="0">
+              <a:spcBef>
+                <a:spcPts val="0"/>
+              </a:spcBef>
+              <a:spcAft>
+                <a:spcPts val="0"/>
+              </a:spcAft>
+              <a:buNone/>
+            </a:pPr>
+            <a:endParaRPr/>
+          </a:p>
+        </p:txBody>
+      </p:sp>
+    </p:spTree>
+    <p:extLst>
+      <p:ext uri="{BB962C8B-B14F-4D97-AF65-F5344CB8AC3E}">
+        <p14:creationId xmlns:p14="http://schemas.microsoft.com/office/powerpoint/2010/main" val="1013918329"/>
+      </p:ext>
+    </p:extLst>
+  </p:cSld>
+  <p:clrMapOvr>
+    <a:masterClrMapping/>
+  </p:clrMapOvr>
+</p:sld>
+</file>
+
+<file path=ppt/slides/slide21.xml><?xml version="1.0" encoding="utf-8"?>
 <p:sld xmlns:a="http://schemas.openxmlformats.org/drawingml/2006/main" xmlns:r="http://schemas.openxmlformats.org/officeDocument/2006/relationships" xmlns:p="http://schemas.openxmlformats.org/presentationml/2006/main">
   <p:cSld>
     <p:spTree>
@@ -44677,7 +44975,7 @@
 </p:sld>
 </file>
 
-<file path=ppt/slides/slide21.xml><?xml version="1.0" encoding="utf-8"?>
+<file path=ppt/slides/slide22.xml><?xml version="1.0" encoding="utf-8"?>
 <p:sld xmlns:a="http://schemas.openxmlformats.org/drawingml/2006/main" xmlns:r="http://schemas.openxmlformats.org/officeDocument/2006/relationships" xmlns:p="http://schemas.openxmlformats.org/presentationml/2006/main">
   <p:cSld>
     <p:spTree>
@@ -45220,7 +45518,7 @@
 </p:sld>
 </file>
 
-<file path=ppt/slides/slide22.xml><?xml version="1.0" encoding="utf-8"?>
+<file path=ppt/slides/slide23.xml><?xml version="1.0" encoding="utf-8"?>
 <p:sld xmlns:a="http://schemas.openxmlformats.org/drawingml/2006/main" xmlns:r="http://schemas.openxmlformats.org/officeDocument/2006/relationships" xmlns:p="http://schemas.openxmlformats.org/presentationml/2006/main">
   <p:cSld>
     <p:spTree>
@@ -45347,7 +45645,7 @@
 </p:sld>
 </file>
 
-<file path=ppt/slides/slide23.xml><?xml version="1.0" encoding="utf-8"?>
+<file path=ppt/slides/slide24.xml><?xml version="1.0" encoding="utf-8"?>
 <p:sld xmlns:a="http://schemas.openxmlformats.org/drawingml/2006/main" xmlns:r="http://schemas.openxmlformats.org/officeDocument/2006/relationships" xmlns:p="http://schemas.openxmlformats.org/presentationml/2006/main">
   <p:cSld>
     <p:spTree>
@@ -46034,7 +46332,7 @@
 </p:sld>
 </file>
 
-<file path=ppt/slides/slide24.xml><?xml version="1.0" encoding="utf-8"?>
+<file path=ppt/slides/slide25.xml><?xml version="1.0" encoding="utf-8"?>
 <p:sld xmlns:a="http://schemas.openxmlformats.org/drawingml/2006/main" xmlns:r="http://schemas.openxmlformats.org/officeDocument/2006/relationships" xmlns:p="http://schemas.openxmlformats.org/presentationml/2006/main">
   <p:cSld>
     <p:spTree>
@@ -46536,7 +46834,7 @@
 </p:sld>
 </file>
 
-<file path=ppt/slides/slide25.xml><?xml version="1.0" encoding="utf-8"?>
+<file path=ppt/slides/slide26.xml><?xml version="1.0" encoding="utf-8"?>
 <p:sld xmlns:a="http://schemas.openxmlformats.org/drawingml/2006/main" xmlns:r="http://schemas.openxmlformats.org/officeDocument/2006/relationships" xmlns:p="http://schemas.openxmlformats.org/presentationml/2006/main">
   <p:cSld>
     <p:spTree>
@@ -46710,7 +47008,7 @@
 </p:sld>
 </file>
 
-<file path=ppt/slides/slide26.xml><?xml version="1.0" encoding="utf-8"?>
+<file path=ppt/slides/slide27.xml><?xml version="1.0" encoding="utf-8"?>
 <p:sld xmlns:a="http://schemas.openxmlformats.org/drawingml/2006/main" xmlns:r="http://schemas.openxmlformats.org/officeDocument/2006/relationships" xmlns:p="http://schemas.openxmlformats.org/presentationml/2006/main">
   <p:cSld>
     <p:spTree>
@@ -46836,7 +47134,7 @@
 </p:sld>
 </file>
 
-<file path=ppt/slides/slide27.xml><?xml version="1.0" encoding="utf-8"?>
+<file path=ppt/slides/slide28.xml><?xml version="1.0" encoding="utf-8"?>
 <p:sld xmlns:a="http://schemas.openxmlformats.org/drawingml/2006/main" xmlns:r="http://schemas.openxmlformats.org/officeDocument/2006/relationships" xmlns:p="http://schemas.openxmlformats.org/presentationml/2006/main">
   <p:cSld>
     <p:spTree>
@@ -46964,7 +47262,7 @@
 </p:sld>
 </file>
 
-<file path=ppt/slides/slide28.xml><?xml version="1.0" encoding="utf-8"?>
+<file path=ppt/slides/slide29.xml><?xml version="1.0" encoding="utf-8"?>
 <p:sld xmlns:a="http://schemas.openxmlformats.org/drawingml/2006/main" xmlns:r="http://schemas.openxmlformats.org/officeDocument/2006/relationships" xmlns:p="http://schemas.openxmlformats.org/presentationml/2006/main">
   <p:cSld>
     <p:spTree>
@@ -47024,328 +47322,6 @@
         </p:txBody>
       </p:sp>
     </p:spTree>
-  </p:cSld>
-  <p:clrMapOvr>
-    <a:masterClrMapping/>
-  </p:clrMapOvr>
-</p:sld>
-</file>
-
-<file path=ppt/slides/slide29.xml><?xml version="1.0" encoding="utf-8"?>
-<p:sld xmlns:a="http://schemas.openxmlformats.org/drawingml/2006/main" xmlns:r="http://schemas.openxmlformats.org/officeDocument/2006/relationships" xmlns:p="http://schemas.openxmlformats.org/presentationml/2006/main">
-  <p:cSld>
-    <p:spTree>
-      <p:nvGrpSpPr>
-        <p:cNvPr id="1" name="Shape 359"/>
-        <p:cNvGrpSpPr/>
-        <p:nvPr/>
-      </p:nvGrpSpPr>
-      <p:grpSpPr>
-        <a:xfrm>
-          <a:off x="0" y="0"/>
-          <a:ext cx="0" cy="0"/>
-          <a:chOff x="0" y="0"/>
-          <a:chExt cx="0" cy="0"/>
-        </a:xfrm>
-      </p:grpSpPr>
-      <p:sp>
-        <p:nvSpPr>
-          <p:cNvPr id="361" name="Google Shape;361;p30"/>
-          <p:cNvSpPr txBox="1">
-            <a:spLocks noGrp="1"/>
-          </p:cNvSpPr>
-          <p:nvPr>
-            <p:ph type="body" idx="1"/>
-          </p:nvPr>
-        </p:nvSpPr>
-        <p:spPr>
-          <a:xfrm>
-            <a:off x="189655" y="348880"/>
-            <a:ext cx="8431314" cy="2130900"/>
-          </a:xfrm>
-          <a:prstGeom prst="rect">
-            <a:avLst/>
-          </a:prstGeom>
-        </p:spPr>
-        <p:txBody>
-          <a:bodyPr spcFirstLastPara="1" wrap="square" lIns="91425" tIns="91425" rIns="91425" bIns="91425" anchor="t" anchorCtr="0">
-            <a:noAutofit/>
-          </a:bodyPr>
-          <a:lstStyle/>
-          <a:p>
-            <a:pPr marL="127000" indent="0">
-              <a:buNone/>
-            </a:pPr>
-            <a:r>
-              <a:rPr lang="fr-BE" sz="1400" dirty="0">
-                <a:effectLst/>
-                <a:latin typeface="XCharter"/>
-              </a:rPr>
-              <a:t>L’ajout de la fonction forkall() au standard a été considéré et rejeté. La fonction</a:t>
-            </a:r>
-          </a:p>
-          <a:p>
-            <a:pPr marL="127000" indent="0">
-              <a:buNone/>
-            </a:pPr>
-            <a:r>
-              <a:rPr lang="fr-BE" sz="1400" dirty="0">
-                <a:effectLst/>
-                <a:latin typeface="XCharter"/>
-              </a:rPr>
-              <a:t>forkall() permet à tous les threads du parent d’être dupliqués dans l’enfant. Ceci</a:t>
-            </a:r>
-          </a:p>
-          <a:p>
-            <a:pPr marL="127000" indent="0">
-              <a:buNone/>
-            </a:pPr>
-            <a:r>
-              <a:rPr lang="fr-BE" sz="1400" dirty="0">
-                <a:effectLst/>
-                <a:latin typeface="XCharter"/>
-              </a:rPr>
-              <a:t>reproduit essentiellement l’état du parent chez l’enfant. Cela permet aux threads</a:t>
-            </a:r>
-          </a:p>
-          <a:p>
-            <a:pPr marL="127000" indent="0">
-              <a:buNone/>
-            </a:pPr>
-            <a:r>
-              <a:rPr lang="fr-BE" sz="1400" dirty="0">
-                <a:effectLst/>
-                <a:latin typeface="XCharter"/>
-              </a:rPr>
-              <a:t>de l’enfant de poursuivre le traitement et permet de préserver les verrous et l’état</a:t>
-            </a:r>
-          </a:p>
-          <a:p>
-            <a:pPr marL="127000" indent="0">
-              <a:buNone/>
-            </a:pPr>
-            <a:r>
-              <a:rPr lang="fr-BE" sz="1400" dirty="0">
-                <a:effectLst/>
-                <a:latin typeface="XCharter"/>
-              </a:rPr>
-              <a:t>sans code pthread_atfork() explicite.</a:t>
-            </a:r>
-            <a:endParaRPr lang="fr-FR" sz="1400" dirty="0">
-              <a:effectLst/>
-              <a:latin typeface="XCharter"/>
-            </a:endParaRPr>
-          </a:p>
-          <a:p>
-            <a:pPr marL="127000" indent="0">
-              <a:buNone/>
-            </a:pPr>
-            <a:endParaRPr lang="fr-FR" sz="1400" dirty="0">
-              <a:latin typeface="XCharter"/>
-            </a:endParaRPr>
-          </a:p>
-          <a:p>
-            <a:pPr marL="127000" indent="0">
-              <a:buNone/>
-            </a:pPr>
-            <a:r>
-              <a:rPr lang="fr-BE" sz="1400" dirty="0">
-                <a:effectLst/>
-                <a:latin typeface="XCharter"/>
-              </a:rPr>
-              <a:t>Le processus appelant doit s’assurer que l’état</a:t>
-            </a:r>
-          </a:p>
-          <a:p>
-            <a:pPr marL="127000" indent="0">
-              <a:buNone/>
-            </a:pPr>
-            <a:r>
-              <a:rPr lang="fr-BE" sz="1400" dirty="0">
-                <a:effectLst/>
-                <a:latin typeface="XCharter"/>
-              </a:rPr>
-              <a:t>de traitement des threads qui est partagé entre le parent et l’enfant (c’est-à-dire les</a:t>
-            </a:r>
-          </a:p>
-          <a:p>
-            <a:pPr marL="127000" indent="0">
-              <a:buNone/>
-            </a:pPr>
-            <a:r>
-              <a:rPr lang="fr-BE" sz="1400" dirty="0">
-                <a:effectLst/>
-                <a:latin typeface="XCharter"/>
-              </a:rPr>
-              <a:t>descripteurs de fichiers ou la mémoire MAP_SHARED) se comporte correctement</a:t>
-            </a:r>
-          </a:p>
-          <a:p>
-            <a:pPr marL="127000" indent="0">
-              <a:buNone/>
-            </a:pPr>
-            <a:r>
-              <a:rPr lang="fr-BE" sz="1400" dirty="0">
-                <a:effectLst/>
-                <a:latin typeface="XCharter"/>
-              </a:rPr>
-              <a:t>après forkall(). Par exemple, si un thread lit un descripteur de fichier dans le parent</a:t>
-            </a:r>
-          </a:p>
-          <a:p>
-            <a:pPr marL="127000" indent="0">
-              <a:buNone/>
-            </a:pPr>
-            <a:r>
-              <a:rPr lang="fr-BE" sz="1400" dirty="0">
-                <a:effectLst/>
-                <a:latin typeface="XCharter"/>
-              </a:rPr>
-              <a:t>lorsque forkall() est appelée, alors deux threads (un dans le parent et un dans le</a:t>
-            </a:r>
-          </a:p>
-          <a:p>
-            <a:pPr marL="127000" indent="0">
-              <a:buNone/>
-            </a:pPr>
-            <a:r>
-              <a:rPr lang="fr-BE" sz="1400" dirty="0">
-                <a:effectLst/>
-                <a:latin typeface="XCharter"/>
-              </a:rPr>
-              <a:t>child) lisent le fichier fileescriptor après la forkall(). Si ce n’est pas un comporte-</a:t>
-            </a:r>
-          </a:p>
-          <a:p>
-            <a:pPr marL="127000" indent="0">
-              <a:buNone/>
-            </a:pPr>
-            <a:r>
-              <a:rPr lang="fr-BE" sz="1400" dirty="0">
-                <a:effectLst/>
-                <a:latin typeface="XCharter"/>
-              </a:rPr>
-              <a:t>ment souhaité, le processus parent doit se synchroniser avec de tels threads avant</a:t>
-            </a:r>
-          </a:p>
-          <a:p>
-            <a:pPr marL="127000" indent="0">
-              <a:buNone/>
-            </a:pPr>
-            <a:r>
-              <a:rPr lang="fr-BE" sz="1400" dirty="0">
-                <a:effectLst/>
-                <a:latin typeface="XCharter"/>
-              </a:rPr>
-              <a:t>d’appeler forkall().</a:t>
-            </a:r>
-          </a:p>
-          <a:p>
-            <a:pPr marL="127000" indent="0">
-              <a:buNone/>
-            </a:pPr>
-            <a:r>
-              <a:rPr lang="fr-BE" sz="1400" dirty="0">
-                <a:effectLst/>
-                <a:latin typeface="XCharter"/>
-              </a:rPr>
-              <a:t>Les fonctions forkx() et forkallx() acceptent un argument flags constitué d’un OU</a:t>
-            </a:r>
-          </a:p>
-          <a:p>
-            <a:pPr marL="127000" indent="0">
-              <a:buNone/>
-            </a:pPr>
-            <a:r>
-              <a:rPr lang="fr-BE" sz="1400" dirty="0">
-                <a:effectLst/>
-                <a:latin typeface="XCharter"/>
-              </a:rPr>
-              <a:t>inclusif bit à bit de zéro ou plus des drapeaux suivants, qui sont définis dans l’en-</a:t>
-            </a:r>
-          </a:p>
-          <a:p>
-            <a:pPr marL="127000" indent="0">
-              <a:buNone/>
-            </a:pPr>
-            <a:r>
-              <a:rPr lang="fr-BE" sz="1400" dirty="0">
-                <a:effectLst/>
-                <a:latin typeface="XCharter"/>
-              </a:rPr>
-              <a:t>tête sys/fork.h</a:t>
-            </a:r>
-            <a:endParaRPr lang="fr-BE" sz="1400" dirty="0"/>
-          </a:p>
-        </p:txBody>
-      </p:sp>
-      <p:sp>
-        <p:nvSpPr>
-          <p:cNvPr id="363" name="Google Shape;363;p30"/>
-          <p:cNvSpPr/>
-          <p:nvPr/>
-        </p:nvSpPr>
-        <p:spPr>
-          <a:xfrm>
-            <a:off x="7524751" y="3887550"/>
-            <a:ext cx="1619286" cy="241405"/>
-          </a:xfrm>
-          <a:custGeom>
-            <a:avLst/>
-            <a:gdLst/>
-            <a:ahLst/>
-            <a:cxnLst/>
-            <a:rect l="l" t="t" r="r" b="b"/>
-            <a:pathLst>
-              <a:path w="146079" h="5859" extrusionOk="0">
-                <a:moveTo>
-                  <a:pt x="1" y="1"/>
-                </a:moveTo>
-                <a:lnTo>
-                  <a:pt x="1" y="5858"/>
-                </a:lnTo>
-                <a:lnTo>
-                  <a:pt x="146079" y="5858"/>
-                </a:lnTo>
-                <a:lnTo>
-                  <a:pt x="146079" y="1"/>
-                </a:lnTo>
-                <a:close/>
-              </a:path>
-            </a:pathLst>
-          </a:custGeom>
-          <a:solidFill>
-            <a:schemeClr val="dk2"/>
-          </a:solidFill>
-          <a:ln>
-            <a:noFill/>
-          </a:ln>
-        </p:spPr>
-        <p:txBody>
-          <a:bodyPr spcFirstLastPara="1" wrap="square" lIns="91425" tIns="91425" rIns="91425" bIns="91425" anchor="ctr" anchorCtr="0">
-            <a:noAutofit/>
-          </a:bodyPr>
-          <a:lstStyle/>
-          <a:p>
-            <a:pPr marL="0" lvl="0" indent="0" algn="l" rtl="0">
-              <a:spcBef>
-                <a:spcPts val="0"/>
-              </a:spcBef>
-              <a:spcAft>
-                <a:spcPts val="0"/>
-              </a:spcAft>
-              <a:buNone/>
-            </a:pPr>
-            <a:endParaRPr/>
-          </a:p>
-        </p:txBody>
-      </p:sp>
-    </p:spTree>
-    <p:extLst>
-      <p:ext uri="{BB962C8B-B14F-4D97-AF65-F5344CB8AC3E}">
-        <p14:creationId xmlns:p14="http://schemas.microsoft.com/office/powerpoint/2010/main" val="3896185031"/>
-      </p:ext>
-    </p:extLst>
   </p:cSld>
   <p:clrMapOvr>
     <a:masterClrMapping/>
@@ -47463,6 +47439,328 @@
 </file>
 
 <file path=ppt/slides/slide30.xml><?xml version="1.0" encoding="utf-8"?>
+<p:sld xmlns:a="http://schemas.openxmlformats.org/drawingml/2006/main" xmlns:r="http://schemas.openxmlformats.org/officeDocument/2006/relationships" xmlns:p="http://schemas.openxmlformats.org/presentationml/2006/main">
+  <p:cSld>
+    <p:spTree>
+      <p:nvGrpSpPr>
+        <p:cNvPr id="1" name="Shape 359"/>
+        <p:cNvGrpSpPr/>
+        <p:nvPr/>
+      </p:nvGrpSpPr>
+      <p:grpSpPr>
+        <a:xfrm>
+          <a:off x="0" y="0"/>
+          <a:ext cx="0" cy="0"/>
+          <a:chOff x="0" y="0"/>
+          <a:chExt cx="0" cy="0"/>
+        </a:xfrm>
+      </p:grpSpPr>
+      <p:sp>
+        <p:nvSpPr>
+          <p:cNvPr id="361" name="Google Shape;361;p30"/>
+          <p:cNvSpPr txBox="1">
+            <a:spLocks noGrp="1"/>
+          </p:cNvSpPr>
+          <p:nvPr>
+            <p:ph type="body" idx="1"/>
+          </p:nvPr>
+        </p:nvSpPr>
+        <p:spPr>
+          <a:xfrm>
+            <a:off x="189655" y="348880"/>
+            <a:ext cx="8431314" cy="2130900"/>
+          </a:xfrm>
+          <a:prstGeom prst="rect">
+            <a:avLst/>
+          </a:prstGeom>
+        </p:spPr>
+        <p:txBody>
+          <a:bodyPr spcFirstLastPara="1" wrap="square" lIns="91425" tIns="91425" rIns="91425" bIns="91425" anchor="t" anchorCtr="0">
+            <a:noAutofit/>
+          </a:bodyPr>
+          <a:lstStyle/>
+          <a:p>
+            <a:pPr marL="127000" indent="0">
+              <a:buNone/>
+            </a:pPr>
+            <a:r>
+              <a:rPr lang="fr-BE" sz="1400" dirty="0">
+                <a:effectLst/>
+                <a:latin typeface="XCharter"/>
+              </a:rPr>
+              <a:t>L’ajout de la fonction forkall() au standard a été considéré et rejeté. La fonction</a:t>
+            </a:r>
+          </a:p>
+          <a:p>
+            <a:pPr marL="127000" indent="0">
+              <a:buNone/>
+            </a:pPr>
+            <a:r>
+              <a:rPr lang="fr-BE" sz="1400" dirty="0">
+                <a:effectLst/>
+                <a:latin typeface="XCharter"/>
+              </a:rPr>
+              <a:t>forkall() permet à tous les threads du parent d’être dupliqués dans l’enfant. Ceci</a:t>
+            </a:r>
+          </a:p>
+          <a:p>
+            <a:pPr marL="127000" indent="0">
+              <a:buNone/>
+            </a:pPr>
+            <a:r>
+              <a:rPr lang="fr-BE" sz="1400" dirty="0">
+                <a:effectLst/>
+                <a:latin typeface="XCharter"/>
+              </a:rPr>
+              <a:t>reproduit essentiellement l’état du parent chez l’enfant. Cela permet aux threads</a:t>
+            </a:r>
+          </a:p>
+          <a:p>
+            <a:pPr marL="127000" indent="0">
+              <a:buNone/>
+            </a:pPr>
+            <a:r>
+              <a:rPr lang="fr-BE" sz="1400" dirty="0">
+                <a:effectLst/>
+                <a:latin typeface="XCharter"/>
+              </a:rPr>
+              <a:t>de l’enfant de poursuivre le traitement et permet de préserver les verrous et l’état</a:t>
+            </a:r>
+          </a:p>
+          <a:p>
+            <a:pPr marL="127000" indent="0">
+              <a:buNone/>
+            </a:pPr>
+            <a:r>
+              <a:rPr lang="fr-BE" sz="1400" dirty="0">
+                <a:effectLst/>
+                <a:latin typeface="XCharter"/>
+              </a:rPr>
+              <a:t>sans code pthread_atfork() explicite.</a:t>
+            </a:r>
+            <a:endParaRPr lang="fr-FR" sz="1400" dirty="0">
+              <a:effectLst/>
+              <a:latin typeface="XCharter"/>
+            </a:endParaRPr>
+          </a:p>
+          <a:p>
+            <a:pPr marL="127000" indent="0">
+              <a:buNone/>
+            </a:pPr>
+            <a:endParaRPr lang="fr-FR" sz="1400" dirty="0">
+              <a:latin typeface="XCharter"/>
+            </a:endParaRPr>
+          </a:p>
+          <a:p>
+            <a:pPr marL="127000" indent="0">
+              <a:buNone/>
+            </a:pPr>
+            <a:r>
+              <a:rPr lang="fr-BE" sz="1400" dirty="0">
+                <a:effectLst/>
+                <a:latin typeface="XCharter"/>
+              </a:rPr>
+              <a:t>Le processus appelant doit s’assurer que l’état</a:t>
+            </a:r>
+          </a:p>
+          <a:p>
+            <a:pPr marL="127000" indent="0">
+              <a:buNone/>
+            </a:pPr>
+            <a:r>
+              <a:rPr lang="fr-BE" sz="1400" dirty="0">
+                <a:effectLst/>
+                <a:latin typeface="XCharter"/>
+              </a:rPr>
+              <a:t>de traitement des threads qui est partagé entre le parent et l’enfant (c’est-à-dire les</a:t>
+            </a:r>
+          </a:p>
+          <a:p>
+            <a:pPr marL="127000" indent="0">
+              <a:buNone/>
+            </a:pPr>
+            <a:r>
+              <a:rPr lang="fr-BE" sz="1400" dirty="0">
+                <a:effectLst/>
+                <a:latin typeface="XCharter"/>
+              </a:rPr>
+              <a:t>descripteurs de fichiers ou la mémoire MAP_SHARED) se comporte correctement</a:t>
+            </a:r>
+          </a:p>
+          <a:p>
+            <a:pPr marL="127000" indent="0">
+              <a:buNone/>
+            </a:pPr>
+            <a:r>
+              <a:rPr lang="fr-BE" sz="1400" dirty="0">
+                <a:effectLst/>
+                <a:latin typeface="XCharter"/>
+              </a:rPr>
+              <a:t>après forkall(). Par exemple, si un thread lit un descripteur de fichier dans le parent</a:t>
+            </a:r>
+          </a:p>
+          <a:p>
+            <a:pPr marL="127000" indent="0">
+              <a:buNone/>
+            </a:pPr>
+            <a:r>
+              <a:rPr lang="fr-BE" sz="1400" dirty="0">
+                <a:effectLst/>
+                <a:latin typeface="XCharter"/>
+              </a:rPr>
+              <a:t>lorsque forkall() est appelée, alors deux threads (un dans le parent et un dans le</a:t>
+            </a:r>
+          </a:p>
+          <a:p>
+            <a:pPr marL="127000" indent="0">
+              <a:buNone/>
+            </a:pPr>
+            <a:r>
+              <a:rPr lang="fr-BE" sz="1400" dirty="0">
+                <a:effectLst/>
+                <a:latin typeface="XCharter"/>
+              </a:rPr>
+              <a:t>child) lisent le fichier fileescriptor après la forkall(). Si ce n’est pas un comporte-</a:t>
+            </a:r>
+          </a:p>
+          <a:p>
+            <a:pPr marL="127000" indent="0">
+              <a:buNone/>
+            </a:pPr>
+            <a:r>
+              <a:rPr lang="fr-BE" sz="1400" dirty="0">
+                <a:effectLst/>
+                <a:latin typeface="XCharter"/>
+              </a:rPr>
+              <a:t>ment souhaité, le processus parent doit se synchroniser avec de tels threads avant</a:t>
+            </a:r>
+          </a:p>
+          <a:p>
+            <a:pPr marL="127000" indent="0">
+              <a:buNone/>
+            </a:pPr>
+            <a:r>
+              <a:rPr lang="fr-BE" sz="1400" dirty="0">
+                <a:effectLst/>
+                <a:latin typeface="XCharter"/>
+              </a:rPr>
+              <a:t>d’appeler forkall().</a:t>
+            </a:r>
+          </a:p>
+          <a:p>
+            <a:pPr marL="127000" indent="0">
+              <a:buNone/>
+            </a:pPr>
+            <a:r>
+              <a:rPr lang="fr-BE" sz="1400" dirty="0">
+                <a:effectLst/>
+                <a:latin typeface="XCharter"/>
+              </a:rPr>
+              <a:t>Les fonctions forkx() et forkallx() acceptent un argument flags constitué d’un OU</a:t>
+            </a:r>
+          </a:p>
+          <a:p>
+            <a:pPr marL="127000" indent="0">
+              <a:buNone/>
+            </a:pPr>
+            <a:r>
+              <a:rPr lang="fr-BE" sz="1400" dirty="0">
+                <a:effectLst/>
+                <a:latin typeface="XCharter"/>
+              </a:rPr>
+              <a:t>inclusif bit à bit de zéro ou plus des drapeaux suivants, qui sont définis dans l’en-</a:t>
+            </a:r>
+          </a:p>
+          <a:p>
+            <a:pPr marL="127000" indent="0">
+              <a:buNone/>
+            </a:pPr>
+            <a:r>
+              <a:rPr lang="fr-BE" sz="1400" dirty="0">
+                <a:effectLst/>
+                <a:latin typeface="XCharter"/>
+              </a:rPr>
+              <a:t>tête sys/fork.h</a:t>
+            </a:r>
+            <a:endParaRPr lang="fr-BE" sz="1400" dirty="0"/>
+          </a:p>
+        </p:txBody>
+      </p:sp>
+      <p:sp>
+        <p:nvSpPr>
+          <p:cNvPr id="363" name="Google Shape;363;p30"/>
+          <p:cNvSpPr/>
+          <p:nvPr/>
+        </p:nvSpPr>
+        <p:spPr>
+          <a:xfrm>
+            <a:off x="7524751" y="3887550"/>
+            <a:ext cx="1619286" cy="241405"/>
+          </a:xfrm>
+          <a:custGeom>
+            <a:avLst/>
+            <a:gdLst/>
+            <a:ahLst/>
+            <a:cxnLst/>
+            <a:rect l="l" t="t" r="r" b="b"/>
+            <a:pathLst>
+              <a:path w="146079" h="5859" extrusionOk="0">
+                <a:moveTo>
+                  <a:pt x="1" y="1"/>
+                </a:moveTo>
+                <a:lnTo>
+                  <a:pt x="1" y="5858"/>
+                </a:lnTo>
+                <a:lnTo>
+                  <a:pt x="146079" y="5858"/>
+                </a:lnTo>
+                <a:lnTo>
+                  <a:pt x="146079" y="1"/>
+                </a:lnTo>
+                <a:close/>
+              </a:path>
+            </a:pathLst>
+          </a:custGeom>
+          <a:solidFill>
+            <a:schemeClr val="dk2"/>
+          </a:solidFill>
+          <a:ln>
+            <a:noFill/>
+          </a:ln>
+        </p:spPr>
+        <p:txBody>
+          <a:bodyPr spcFirstLastPara="1" wrap="square" lIns="91425" tIns="91425" rIns="91425" bIns="91425" anchor="ctr" anchorCtr="0">
+            <a:noAutofit/>
+          </a:bodyPr>
+          <a:lstStyle/>
+          <a:p>
+            <a:pPr marL="0" lvl="0" indent="0" algn="l" rtl="0">
+              <a:spcBef>
+                <a:spcPts val="0"/>
+              </a:spcBef>
+              <a:spcAft>
+                <a:spcPts val="0"/>
+              </a:spcAft>
+              <a:buNone/>
+            </a:pPr>
+            <a:endParaRPr/>
+          </a:p>
+        </p:txBody>
+      </p:sp>
+    </p:spTree>
+    <p:extLst>
+      <p:ext uri="{BB962C8B-B14F-4D97-AF65-F5344CB8AC3E}">
+        <p14:creationId xmlns:p14="http://schemas.microsoft.com/office/powerpoint/2010/main" val="3896185031"/>
+      </p:ext>
+    </p:extLst>
+  </p:cSld>
+  <p:clrMapOvr>
+    <a:masterClrMapping/>
+  </p:clrMapOvr>
+</p:sld>
+</file>
+
+<file path=ppt/slides/slide31.xml><?xml version="1.0" encoding="utf-8"?>
 <p:sld xmlns:a="http://schemas.openxmlformats.org/drawingml/2006/main" xmlns:r="http://schemas.openxmlformats.org/officeDocument/2006/relationships" xmlns:p="http://schemas.openxmlformats.org/presentationml/2006/main">
   <p:cSld>
     <p:spTree>
@@ -49311,7 +49609,7 @@
 </p:sld>
 </file>
 
-<file path=ppt/slides/slide31.xml><?xml version="1.0" encoding="utf-8"?>
+<file path=ppt/slides/slide32.xml><?xml version="1.0" encoding="utf-8"?>
 <p:sld xmlns:a="http://schemas.openxmlformats.org/drawingml/2006/main" xmlns:r="http://schemas.openxmlformats.org/officeDocument/2006/relationships" xmlns:p="http://schemas.openxmlformats.org/presentationml/2006/main">
   <p:cSld>
     <p:spTree>
@@ -53119,6 +53417,55 @@
               <a:rPr lang="fr-BE" sz="1600" dirty="0"/>
               <a:t>pid_t fork(void);</a:t>
             </a:r>
+            <a:endParaRPr lang="fr-FR" sz="1600" dirty="0"/>
+          </a:p>
+          <a:p>
+            <a:pPr marL="0" lvl="0" indent="0" algn="l" rtl="0">
+              <a:spcBef>
+                <a:spcPts val="0"/>
+              </a:spcBef>
+              <a:spcAft>
+                <a:spcPts val="0"/>
+              </a:spcAft>
+              <a:buNone/>
+            </a:pPr>
+            <a:endParaRPr lang="fr-FR" sz="1600" dirty="0"/>
+          </a:p>
+          <a:p>
+            <a:pPr marL="0" lvl="0" indent="0" algn="l" rtl="0">
+              <a:spcBef>
+                <a:spcPts val="0"/>
+              </a:spcBef>
+              <a:spcAft>
+                <a:spcPts val="0"/>
+              </a:spcAft>
+              <a:buNone/>
+            </a:pPr>
+            <a:endParaRPr lang="fr-FR" sz="1600" dirty="0"/>
+          </a:p>
+          <a:p>
+            <a:pPr marL="0" lvl="0" indent="0" algn="l" rtl="0">
+              <a:spcBef>
+                <a:spcPts val="0"/>
+              </a:spcBef>
+              <a:spcAft>
+                <a:spcPts val="0"/>
+              </a:spcAft>
+              <a:buNone/>
+            </a:pPr>
+            <a:r>
+              <a:rPr lang="fr-FR" sz="1600" dirty="0"/>
+              <a:t>(</a:t>
+            </a:r>
+            <a:r>
+              <a:rPr lang="fr-FR" sz="1600" dirty="0" err="1"/>
+              <a:t>pid_t</a:t>
+            </a:r>
+            <a:r>
+              <a:rPr lang="fr-FR" sz="1600" dirty="0"/>
+              <a:t> n’a pas besoin de cast pour être utilisé comme un int)</a:t>
+            </a:r>
+            <a:endParaRPr lang="fr-BE" sz="1600" dirty="0"/>
           </a:p>
         </p:txBody>
       </p:sp>
@@ -53164,7 +53511,7 @@
         </p:nvSpPr>
         <p:spPr>
           <a:xfrm>
-            <a:off x="363436" y="1756650"/>
+            <a:off x="141186" y="3063505"/>
             <a:ext cx="6915252" cy="2130900"/>
           </a:xfrm>
           <a:prstGeom prst="rect">
@@ -53177,113 +53524,73 @@
           </a:bodyPr>
           <a:lstStyle/>
           <a:p>
-            <a:pPr marL="127000" indent="0">
-              <a:buNone/>
+            <a:pPr>
+              <a:buFont typeface="Arial" panose="020B0604020202020204" pitchFamily="34" charset="0"/>
+              <a:buChar char="•"/>
             </a:pPr>
             <a:r>
               <a:rPr lang="fr-BE" sz="1800" dirty="0">
                 <a:effectLst/>
                 <a:latin typeface="XCharter"/>
               </a:rPr>
-              <a:t>∗ L’enfant a son propre ID de processus unique, et ce PID est unique</a:t>
+              <a:t>L’enfant a son propre ID de processus unique, et ce PID est unique</a:t>
             </a:r>
+            <a:endParaRPr lang="fr-FR" sz="1800" dirty="0">
+              <a:latin typeface="XCharter"/>
+            </a:endParaRPr>
           </a:p>
           <a:p>
-            <a:pPr marL="127000" indent="0">
-              <a:buNone/>
+            <a:pPr>
+              <a:buFont typeface="Arial" panose="020B0604020202020204" pitchFamily="34" charset="0"/>
+              <a:buChar char="•"/>
             </a:pPr>
             <a:r>
               <a:rPr lang="fr-BE" sz="1800" dirty="0">
                 <a:effectLst/>
                 <a:latin typeface="XCharter"/>
               </a:rPr>
-              <a:t>∗ L’enfant n’hérite pas des verrous de mémoire de son parent</a:t>
+              <a:t>L’enfant n’hérite pas des verrous de mémoire de son parent</a:t>
             </a:r>
           </a:p>
           <a:p>
-            <a:pPr marL="127000" indent="0">
-              <a:buNone/>
+            <a:pPr>
+              <a:buFont typeface="Arial" panose="020B0604020202020204" pitchFamily="34" charset="0"/>
+              <a:buChar char="•"/>
             </a:pPr>
             <a:r>
               <a:rPr lang="fr-BE" sz="1800" dirty="0">
                 <a:effectLst/>
                 <a:latin typeface="XCharter"/>
               </a:rPr>
-              <a:t>∗ La table des signaux est remise à 0 pour l’enfant</a:t>
+              <a:t>La table des signaux est remise à 0 pour l’enfant</a:t>
             </a:r>
+            <a:r>
+              <a:rPr lang="fr-FR" sz="1800" dirty="0">
+                <a:effectLst/>
+                <a:latin typeface="XCharter"/>
+              </a:rPr>
+              <a:t> (dépend de l’environnement)</a:t>
+            </a:r>
+            <a:endParaRPr lang="fr-FR" sz="1800" dirty="0">
+              <a:latin typeface="XCharter"/>
+            </a:endParaRPr>
           </a:p>
           <a:p>
-            <a:pPr marL="127000" indent="0">
-              <a:buNone/>
+            <a:pPr>
+              <a:buFont typeface="Arial" panose="020B0604020202020204" pitchFamily="34" charset="0"/>
+              <a:buChar char="•"/>
             </a:pPr>
             <a:r>
               <a:rPr lang="fr-BE" sz="1800" dirty="0">
                 <a:effectLst/>
                 <a:latin typeface="XCharter"/>
               </a:rPr>
-              <a:t>∗ L’enfant n’hérite pas des sémaphores de son parent</a:t>
+              <a:t>L’enfant n’hérite pas des sémaphores de son parent</a:t>
             </a:r>
-          </a:p>
-          <a:p>
-            <a:pPr marL="127000" indent="0">
-              <a:buNone/>
-            </a:pPr>
-            <a:r>
-              <a:rPr lang="fr-BE" sz="1800" dirty="0">
-                <a:effectLst/>
-                <a:latin typeface="XCharter"/>
-              </a:rPr>
-              <a:t>∗ L’enfant n’hérite pas des verrous d’enregistrement associés au processus</a:t>
-            </a:r>
-          </a:p>
-          <a:p>
-            <a:pPr marL="127000" indent="0">
-              <a:buNone/>
-            </a:pPr>
-            <a:r>
-              <a:rPr lang="fr-BE" sz="1800" dirty="0">
-                <a:effectLst/>
-                <a:latin typeface="XCharter"/>
-              </a:rPr>
-              <a:t>parent</a:t>
-            </a:r>
-          </a:p>
-          <a:p>
-            <a:pPr marL="127000" indent="0">
-              <a:buNone/>
-            </a:pPr>
-            <a:r>
-              <a:rPr lang="fr-BE" sz="1800" dirty="0">
-                <a:effectLst/>
-                <a:latin typeface="XCharter"/>
-              </a:rPr>
-              <a:t>∗ L’enfant n’hérite pas des minuteries de son parent</a:t>
-            </a:r>
-          </a:p>
-          <a:p>
-            <a:pPr marL="127000" indent="0">
-              <a:buNone/>
-            </a:pPr>
-            <a:r>
-              <a:rPr lang="fr-BE" sz="1800" dirty="0">
-                <a:effectLst/>
-                <a:latin typeface="XCharter"/>
-              </a:rPr>
-              <a:t>∗ L’enfant n’hérite pas des E/S asynchrones en suspens ni des contextes</a:t>
-            </a:r>
-          </a:p>
-          <a:p>
-            <a:pPr marL="127000" indent="0">
-              <a:buNone/>
-            </a:pPr>
-            <a:r>
-              <a:rPr lang="fr-BE" sz="1800" dirty="0">
-                <a:effectLst/>
-                <a:latin typeface="XCharter"/>
-              </a:rPr>
-              <a:t>d’E/S asynchrones de son parent</a:t>
-            </a:r>
-            <a:endParaRPr lang="fr-BE" dirty="0"/>
+            <a:endParaRPr lang="fr-FR" sz="1800" dirty="0">
+              <a:effectLst/>
+              <a:latin typeface="XCharter"/>
+            </a:endParaRPr>
           </a:p>
         </p:txBody>
       </p:sp>
@@ -53299,7 +53606,7 @@
         </p:nvSpPr>
         <p:spPr>
           <a:xfrm>
-            <a:off x="560825" y="771450"/>
+            <a:off x="0" y="2571750"/>
             <a:ext cx="5614550" cy="669000"/>
           </a:xfrm>
           <a:prstGeom prst="rect">
@@ -53696,10 +54003,635 @@
           </a:p>
         </p:txBody>
       </p:sp>
+      <p:sp>
+        <p:nvSpPr>
+          <p:cNvPr id="5" name="Google Shape;362;p30">
+            <a:extLst>
+              <a:ext uri="{FF2B5EF4-FFF2-40B4-BE49-F238E27FC236}">
+                <a16:creationId xmlns:a16="http://schemas.microsoft.com/office/drawing/2014/main" id="{05AF8FBE-06A8-9DCD-7E30-730F53DE7163}"/>
+              </a:ext>
+            </a:extLst>
+          </p:cNvPr>
+          <p:cNvSpPr txBox="1">
+            <a:spLocks noGrp="1"/>
+          </p:cNvSpPr>
+          <p:nvPr/>
+        </p:nvSpPr>
+        <p:spPr>
+          <a:xfrm>
+            <a:off x="0" y="991763"/>
+            <a:ext cx="5614550" cy="669000"/>
+          </a:xfrm>
+          <a:prstGeom prst="rect">
+            <a:avLst/>
+          </a:prstGeom>
+          <a:noFill/>
+          <a:ln>
+            <a:noFill/>
+          </a:ln>
+        </p:spPr>
+        <p:txBody>
+          <a:bodyPr spcFirstLastPara="1" wrap="square" lIns="91425" tIns="91425" rIns="91425" bIns="91425" anchor="t" anchorCtr="0">
+            <a:noAutofit/>
+          </a:bodyPr>
+          <a:lstStyle>
+            <a:defPPr marR="0" lvl="0" algn="l" rtl="0">
+              <a:lnSpc>
+                <a:spcPct val="100000"/>
+              </a:lnSpc>
+              <a:spcBef>
+                <a:spcPts val="0"/>
+              </a:spcBef>
+              <a:spcAft>
+                <a:spcPts val="0"/>
+              </a:spcAft>
+            </a:defPPr>
+            <a:lvl1pPr marR="0" lvl="0" algn="l" rtl="0">
+              <a:lnSpc>
+                <a:spcPct val="100000"/>
+              </a:lnSpc>
+              <a:spcBef>
+                <a:spcPts val="0"/>
+              </a:spcBef>
+              <a:spcAft>
+                <a:spcPts val="0"/>
+              </a:spcAft>
+              <a:buClr>
+                <a:schemeClr val="lt1"/>
+              </a:buClr>
+              <a:buSzPts val="2800"/>
+              <a:buFont typeface="Overpass Mono"/>
+              <a:buNone/>
+              <a:defRPr sz="3000" b="1" i="0" u="none" strike="noStrike" cap="none">
+                <a:solidFill>
+                  <a:schemeClr val="dk2"/>
+                </a:solidFill>
+                <a:latin typeface="Overpass Mono"/>
+                <a:ea typeface="Overpass Mono"/>
+                <a:cs typeface="Overpass Mono"/>
+                <a:sym typeface="Overpass Mono"/>
+              </a:defRPr>
+            </a:lvl1pPr>
+            <a:lvl2pPr marR="0" lvl="1" algn="l" rtl="0">
+              <a:lnSpc>
+                <a:spcPct val="100000"/>
+              </a:lnSpc>
+              <a:spcBef>
+                <a:spcPts val="0"/>
+              </a:spcBef>
+              <a:spcAft>
+                <a:spcPts val="0"/>
+              </a:spcAft>
+              <a:buClr>
+                <a:schemeClr val="dk1"/>
+              </a:buClr>
+              <a:buSzPts val="2800"/>
+              <a:buFont typeface="Arial"/>
+              <a:buNone/>
+              <a:defRPr sz="3000" b="0" i="0" u="none" strike="noStrike" cap="none">
+                <a:solidFill>
+                  <a:schemeClr val="dk1"/>
+                </a:solidFill>
+                <a:latin typeface="Arial"/>
+                <a:ea typeface="Arial"/>
+                <a:cs typeface="Arial"/>
+                <a:sym typeface="Arial"/>
+              </a:defRPr>
+            </a:lvl2pPr>
+            <a:lvl3pPr marR="0" lvl="2" algn="l" rtl="0">
+              <a:lnSpc>
+                <a:spcPct val="100000"/>
+              </a:lnSpc>
+              <a:spcBef>
+                <a:spcPts val="0"/>
+              </a:spcBef>
+              <a:spcAft>
+                <a:spcPts val="0"/>
+              </a:spcAft>
+              <a:buClr>
+                <a:schemeClr val="dk1"/>
+              </a:buClr>
+              <a:buSzPts val="2800"/>
+              <a:buFont typeface="Arial"/>
+              <a:buNone/>
+              <a:defRPr sz="3000" b="0" i="0" u="none" strike="noStrike" cap="none">
+                <a:solidFill>
+                  <a:schemeClr val="dk1"/>
+                </a:solidFill>
+                <a:latin typeface="Arial"/>
+                <a:ea typeface="Arial"/>
+                <a:cs typeface="Arial"/>
+                <a:sym typeface="Arial"/>
+              </a:defRPr>
+            </a:lvl3pPr>
+            <a:lvl4pPr marR="0" lvl="3" algn="l" rtl="0">
+              <a:lnSpc>
+                <a:spcPct val="100000"/>
+              </a:lnSpc>
+              <a:spcBef>
+                <a:spcPts val="0"/>
+              </a:spcBef>
+              <a:spcAft>
+                <a:spcPts val="0"/>
+              </a:spcAft>
+              <a:buClr>
+                <a:schemeClr val="dk1"/>
+              </a:buClr>
+              <a:buSzPts val="2800"/>
+              <a:buFont typeface="Arial"/>
+              <a:buNone/>
+              <a:defRPr sz="3000" b="0" i="0" u="none" strike="noStrike" cap="none">
+                <a:solidFill>
+                  <a:schemeClr val="dk1"/>
+                </a:solidFill>
+                <a:latin typeface="Arial"/>
+                <a:ea typeface="Arial"/>
+                <a:cs typeface="Arial"/>
+                <a:sym typeface="Arial"/>
+              </a:defRPr>
+            </a:lvl4pPr>
+            <a:lvl5pPr marR="0" lvl="4" algn="l" rtl="0">
+              <a:lnSpc>
+                <a:spcPct val="100000"/>
+              </a:lnSpc>
+              <a:spcBef>
+                <a:spcPts val="0"/>
+              </a:spcBef>
+              <a:spcAft>
+                <a:spcPts val="0"/>
+              </a:spcAft>
+              <a:buClr>
+                <a:schemeClr val="dk1"/>
+              </a:buClr>
+              <a:buSzPts val="2800"/>
+              <a:buFont typeface="Arial"/>
+              <a:buNone/>
+              <a:defRPr sz="3000" b="0" i="0" u="none" strike="noStrike" cap="none">
+                <a:solidFill>
+                  <a:schemeClr val="dk1"/>
+                </a:solidFill>
+                <a:latin typeface="Arial"/>
+                <a:ea typeface="Arial"/>
+                <a:cs typeface="Arial"/>
+                <a:sym typeface="Arial"/>
+              </a:defRPr>
+            </a:lvl5pPr>
+            <a:lvl6pPr marR="0" lvl="5" algn="l" rtl="0">
+              <a:lnSpc>
+                <a:spcPct val="100000"/>
+              </a:lnSpc>
+              <a:spcBef>
+                <a:spcPts val="0"/>
+              </a:spcBef>
+              <a:spcAft>
+                <a:spcPts val="0"/>
+              </a:spcAft>
+              <a:buClr>
+                <a:schemeClr val="dk1"/>
+              </a:buClr>
+              <a:buSzPts val="2800"/>
+              <a:buFont typeface="Arial"/>
+              <a:buNone/>
+              <a:defRPr sz="3000" b="0" i="0" u="none" strike="noStrike" cap="none">
+                <a:solidFill>
+                  <a:schemeClr val="dk1"/>
+                </a:solidFill>
+                <a:latin typeface="Arial"/>
+                <a:ea typeface="Arial"/>
+                <a:cs typeface="Arial"/>
+                <a:sym typeface="Arial"/>
+              </a:defRPr>
+            </a:lvl6pPr>
+            <a:lvl7pPr marR="0" lvl="6" algn="l" rtl="0">
+              <a:lnSpc>
+                <a:spcPct val="100000"/>
+              </a:lnSpc>
+              <a:spcBef>
+                <a:spcPts val="0"/>
+              </a:spcBef>
+              <a:spcAft>
+                <a:spcPts val="0"/>
+              </a:spcAft>
+              <a:buClr>
+                <a:schemeClr val="dk1"/>
+              </a:buClr>
+              <a:buSzPts val="2800"/>
+              <a:buFont typeface="Arial"/>
+              <a:buNone/>
+              <a:defRPr sz="3000" b="0" i="0" u="none" strike="noStrike" cap="none">
+                <a:solidFill>
+                  <a:schemeClr val="dk1"/>
+                </a:solidFill>
+                <a:latin typeface="Arial"/>
+                <a:ea typeface="Arial"/>
+                <a:cs typeface="Arial"/>
+                <a:sym typeface="Arial"/>
+              </a:defRPr>
+            </a:lvl7pPr>
+            <a:lvl8pPr marR="0" lvl="7" algn="l" rtl="0">
+              <a:lnSpc>
+                <a:spcPct val="100000"/>
+              </a:lnSpc>
+              <a:spcBef>
+                <a:spcPts val="0"/>
+              </a:spcBef>
+              <a:spcAft>
+                <a:spcPts val="0"/>
+              </a:spcAft>
+              <a:buClr>
+                <a:schemeClr val="dk1"/>
+              </a:buClr>
+              <a:buSzPts val="2800"/>
+              <a:buFont typeface="Arial"/>
+              <a:buNone/>
+              <a:defRPr sz="3000" b="0" i="0" u="none" strike="noStrike" cap="none">
+                <a:solidFill>
+                  <a:schemeClr val="dk1"/>
+                </a:solidFill>
+                <a:latin typeface="Arial"/>
+                <a:ea typeface="Arial"/>
+                <a:cs typeface="Arial"/>
+                <a:sym typeface="Arial"/>
+              </a:defRPr>
+            </a:lvl8pPr>
+            <a:lvl9pPr marR="0" lvl="8" algn="l" rtl="0">
+              <a:lnSpc>
+                <a:spcPct val="100000"/>
+              </a:lnSpc>
+              <a:spcBef>
+                <a:spcPts val="0"/>
+              </a:spcBef>
+              <a:spcAft>
+                <a:spcPts val="0"/>
+              </a:spcAft>
+              <a:buClr>
+                <a:schemeClr val="dk1"/>
+              </a:buClr>
+              <a:buSzPts val="2800"/>
+              <a:buFont typeface="Arial"/>
+              <a:buNone/>
+              <a:defRPr sz="3000" b="0" i="0" u="none" strike="noStrike" cap="none">
+                <a:solidFill>
+                  <a:schemeClr val="dk1"/>
+                </a:solidFill>
+                <a:latin typeface="Arial"/>
+                <a:ea typeface="Arial"/>
+                <a:cs typeface="Arial"/>
+                <a:sym typeface="Arial"/>
+              </a:defRPr>
+            </a:lvl9pPr>
+          </a:lstStyle>
+          <a:p>
+            <a:pPr marL="0" lvl="0" indent="0" algn="l" rtl="0">
+              <a:spcBef>
+                <a:spcPts val="0"/>
+              </a:spcBef>
+              <a:spcAft>
+                <a:spcPts val="0"/>
+              </a:spcAft>
+              <a:buNone/>
+            </a:pPr>
+            <a:r>
+              <a:rPr lang="fr-FR" dirty="0"/>
+              <a:t>Espace d’adressage dupliqué</a:t>
+            </a:r>
+            <a:endParaRPr dirty="0">
+              <a:solidFill>
+                <a:schemeClr val="dk2"/>
+              </a:solidFill>
+            </a:endParaRPr>
+          </a:p>
+        </p:txBody>
+      </p:sp>
+      <p:sp>
+        <p:nvSpPr>
+          <p:cNvPr id="7" name="Google Shape;361;p30">
+            <a:extLst>
+              <a:ext uri="{FF2B5EF4-FFF2-40B4-BE49-F238E27FC236}">
+                <a16:creationId xmlns:a16="http://schemas.microsoft.com/office/drawing/2014/main" id="{36101C92-56F4-7D15-A8AF-96A08F1A077E}"/>
+              </a:ext>
+            </a:extLst>
+          </p:cNvPr>
+          <p:cNvSpPr txBox="1">
+            <a:spLocks/>
+          </p:cNvSpPr>
+          <p:nvPr/>
+        </p:nvSpPr>
+        <p:spPr>
+          <a:xfrm>
+            <a:off x="141186" y="1660763"/>
+            <a:ext cx="6915252" cy="823675"/>
+          </a:xfrm>
+          <a:prstGeom prst="rect">
+            <a:avLst/>
+          </a:prstGeom>
+          <a:noFill/>
+          <a:ln>
+            <a:noFill/>
+          </a:ln>
+        </p:spPr>
+        <p:txBody>
+          <a:bodyPr spcFirstLastPara="1" wrap="square" lIns="91425" tIns="91425" rIns="91425" bIns="91425" anchor="t" anchorCtr="0">
+            <a:noAutofit/>
+          </a:bodyPr>
+          <a:lstStyle>
+            <a:defPPr marR="0" lvl="0" algn="l" rtl="0">
+              <a:lnSpc>
+                <a:spcPct val="100000"/>
+              </a:lnSpc>
+              <a:spcBef>
+                <a:spcPts val="0"/>
+              </a:spcBef>
+              <a:spcAft>
+                <a:spcPts val="0"/>
+              </a:spcAft>
+            </a:defPPr>
+            <a:lvl1pPr marL="457200" marR="0" lvl="0" indent="-330200" algn="l" rtl="0">
+              <a:lnSpc>
+                <a:spcPct val="100000"/>
+              </a:lnSpc>
+              <a:spcBef>
+                <a:spcPts val="0"/>
+              </a:spcBef>
+              <a:spcAft>
+                <a:spcPts val="0"/>
+              </a:spcAft>
+              <a:buClr>
+                <a:schemeClr val="lt1"/>
+              </a:buClr>
+              <a:buSzPts val="1600"/>
+              <a:buFont typeface="Raleway SemiBold"/>
+              <a:buChar char="●"/>
+              <a:defRPr sz="1600" b="0" i="0" u="none" strike="noStrike" cap="none">
+                <a:solidFill>
+                  <a:schemeClr val="lt1"/>
+                </a:solidFill>
+                <a:latin typeface="Anaheim"/>
+                <a:ea typeface="Anaheim"/>
+                <a:cs typeface="Anaheim"/>
+                <a:sym typeface="Anaheim"/>
+              </a:defRPr>
+            </a:lvl1pPr>
+            <a:lvl2pPr marL="914400" marR="0" lvl="1" indent="-330200" algn="l" rtl="0">
+              <a:lnSpc>
+                <a:spcPct val="115000"/>
+              </a:lnSpc>
+              <a:spcBef>
+                <a:spcPts val="0"/>
+              </a:spcBef>
+              <a:spcAft>
+                <a:spcPts val="0"/>
+              </a:spcAft>
+              <a:buClr>
+                <a:schemeClr val="lt1"/>
+              </a:buClr>
+              <a:buSzPts val="1600"/>
+              <a:buFont typeface="Nunito Light"/>
+              <a:buChar char="○"/>
+              <a:defRPr sz="1600" b="0" i="0" u="none" strike="noStrike" cap="none">
+                <a:solidFill>
+                  <a:schemeClr val="lt1"/>
+                </a:solidFill>
+                <a:latin typeface="Anaheim"/>
+                <a:ea typeface="Anaheim"/>
+                <a:cs typeface="Anaheim"/>
+                <a:sym typeface="Anaheim"/>
+              </a:defRPr>
+            </a:lvl2pPr>
+            <a:lvl3pPr marL="1371600" marR="0" lvl="2" indent="-330200" algn="l" rtl="0">
+              <a:lnSpc>
+                <a:spcPct val="115000"/>
+              </a:lnSpc>
+              <a:spcBef>
+                <a:spcPts val="1600"/>
+              </a:spcBef>
+              <a:spcAft>
+                <a:spcPts val="0"/>
+              </a:spcAft>
+              <a:buClr>
+                <a:schemeClr val="lt1"/>
+              </a:buClr>
+              <a:buSzPts val="1600"/>
+              <a:buFont typeface="Nunito Light"/>
+              <a:buChar char="■"/>
+              <a:defRPr sz="1600" b="0" i="0" u="none" strike="noStrike" cap="none">
+                <a:solidFill>
+                  <a:schemeClr val="lt1"/>
+                </a:solidFill>
+                <a:latin typeface="Anaheim"/>
+                <a:ea typeface="Anaheim"/>
+                <a:cs typeface="Anaheim"/>
+                <a:sym typeface="Anaheim"/>
+              </a:defRPr>
+            </a:lvl3pPr>
+            <a:lvl4pPr marL="1828800" marR="0" lvl="3" indent="-330200" algn="l" rtl="0">
+              <a:lnSpc>
+                <a:spcPct val="115000"/>
+              </a:lnSpc>
+              <a:spcBef>
+                <a:spcPts val="1600"/>
+              </a:spcBef>
+              <a:spcAft>
+                <a:spcPts val="0"/>
+              </a:spcAft>
+              <a:buClr>
+                <a:schemeClr val="lt1"/>
+              </a:buClr>
+              <a:buSzPts val="1600"/>
+              <a:buFont typeface="Nunito Light"/>
+              <a:buChar char="●"/>
+              <a:defRPr sz="1600" b="0" i="0" u="none" strike="noStrike" cap="none">
+                <a:solidFill>
+                  <a:schemeClr val="lt1"/>
+                </a:solidFill>
+                <a:latin typeface="Anaheim"/>
+                <a:ea typeface="Anaheim"/>
+                <a:cs typeface="Anaheim"/>
+                <a:sym typeface="Anaheim"/>
+              </a:defRPr>
+            </a:lvl4pPr>
+            <a:lvl5pPr marL="2286000" marR="0" lvl="4" indent="-330200" algn="l" rtl="0">
+              <a:lnSpc>
+                <a:spcPct val="115000"/>
+              </a:lnSpc>
+              <a:spcBef>
+                <a:spcPts val="1600"/>
+              </a:spcBef>
+              <a:spcAft>
+                <a:spcPts val="0"/>
+              </a:spcAft>
+              <a:buClr>
+                <a:schemeClr val="lt1"/>
+              </a:buClr>
+              <a:buSzPts val="1600"/>
+              <a:buFont typeface="Nunito Light"/>
+              <a:buChar char="○"/>
+              <a:defRPr sz="1600" b="0" i="0" u="none" strike="noStrike" cap="none">
+                <a:solidFill>
+                  <a:schemeClr val="lt1"/>
+                </a:solidFill>
+                <a:latin typeface="Anaheim"/>
+                <a:ea typeface="Anaheim"/>
+                <a:cs typeface="Anaheim"/>
+                <a:sym typeface="Anaheim"/>
+              </a:defRPr>
+            </a:lvl5pPr>
+            <a:lvl6pPr marL="2743200" marR="0" lvl="5" indent="-330200" algn="l" rtl="0">
+              <a:lnSpc>
+                <a:spcPct val="115000"/>
+              </a:lnSpc>
+              <a:spcBef>
+                <a:spcPts val="1600"/>
+              </a:spcBef>
+              <a:spcAft>
+                <a:spcPts val="0"/>
+              </a:spcAft>
+              <a:buClr>
+                <a:schemeClr val="lt1"/>
+              </a:buClr>
+              <a:buSzPts val="1600"/>
+              <a:buFont typeface="Nunito Light"/>
+              <a:buChar char="■"/>
+              <a:defRPr sz="1600" b="0" i="0" u="none" strike="noStrike" cap="none">
+                <a:solidFill>
+                  <a:schemeClr val="lt1"/>
+                </a:solidFill>
+                <a:latin typeface="Anaheim"/>
+                <a:ea typeface="Anaheim"/>
+                <a:cs typeface="Anaheim"/>
+                <a:sym typeface="Anaheim"/>
+              </a:defRPr>
+            </a:lvl6pPr>
+            <a:lvl7pPr marL="3200400" marR="0" lvl="6" indent="-330200" algn="l" rtl="0">
+              <a:lnSpc>
+                <a:spcPct val="115000"/>
+              </a:lnSpc>
+              <a:spcBef>
+                <a:spcPts val="1600"/>
+              </a:spcBef>
+              <a:spcAft>
+                <a:spcPts val="0"/>
+              </a:spcAft>
+              <a:buClr>
+                <a:schemeClr val="lt1"/>
+              </a:buClr>
+              <a:buSzPts val="1600"/>
+              <a:buFont typeface="Nunito Light"/>
+              <a:buChar char="●"/>
+              <a:defRPr sz="1600" b="0" i="0" u="none" strike="noStrike" cap="none">
+                <a:solidFill>
+                  <a:schemeClr val="lt1"/>
+                </a:solidFill>
+                <a:latin typeface="Anaheim"/>
+                <a:ea typeface="Anaheim"/>
+                <a:cs typeface="Anaheim"/>
+                <a:sym typeface="Anaheim"/>
+              </a:defRPr>
+            </a:lvl7pPr>
+            <a:lvl8pPr marL="3657600" marR="0" lvl="7" indent="-330200" algn="l" rtl="0">
+              <a:lnSpc>
+                <a:spcPct val="115000"/>
+              </a:lnSpc>
+              <a:spcBef>
+                <a:spcPts val="1600"/>
+              </a:spcBef>
+              <a:spcAft>
+                <a:spcPts val="0"/>
+              </a:spcAft>
+              <a:buClr>
+                <a:schemeClr val="lt1"/>
+              </a:buClr>
+              <a:buSzPts val="1600"/>
+              <a:buFont typeface="Nunito Light"/>
+              <a:buChar char="○"/>
+              <a:defRPr sz="1600" b="0" i="0" u="none" strike="noStrike" cap="none">
+                <a:solidFill>
+                  <a:schemeClr val="lt1"/>
+                </a:solidFill>
+                <a:latin typeface="Anaheim"/>
+                <a:ea typeface="Anaheim"/>
+                <a:cs typeface="Anaheim"/>
+                <a:sym typeface="Anaheim"/>
+              </a:defRPr>
+            </a:lvl8pPr>
+            <a:lvl9pPr marL="4114800" marR="0" lvl="8" indent="-330200" algn="l" rtl="0">
+              <a:lnSpc>
+                <a:spcPct val="115000"/>
+              </a:lnSpc>
+              <a:spcBef>
+                <a:spcPts val="1600"/>
+              </a:spcBef>
+              <a:spcAft>
+                <a:spcPts val="1600"/>
+              </a:spcAft>
+              <a:buClr>
+                <a:schemeClr val="lt1"/>
+              </a:buClr>
+              <a:buSzPts val="1600"/>
+              <a:buFont typeface="Nunito Light"/>
+              <a:buChar char="■"/>
+              <a:defRPr sz="1600" b="0" i="0" u="none" strike="noStrike" cap="none">
+                <a:solidFill>
+                  <a:schemeClr val="lt1"/>
+                </a:solidFill>
+                <a:latin typeface="Anaheim"/>
+                <a:ea typeface="Anaheim"/>
+                <a:cs typeface="Anaheim"/>
+                <a:sym typeface="Anaheim"/>
+              </a:defRPr>
+            </a:lvl9pPr>
+          </a:lstStyle>
+          <a:p>
+            <a:pPr>
+              <a:buFont typeface="Arial" panose="020B0604020202020204" pitchFamily="34" charset="0"/>
+              <a:buChar char="•"/>
+            </a:pPr>
+            <a:r>
+              <a:rPr lang="fr-FR" dirty="0">
+                <a:latin typeface="XCharter"/>
+              </a:rPr>
+              <a:t>Uniquement lors de sa première </a:t>
+            </a:r>
+            <a:r>
+              <a:rPr lang="fr-FR" dirty="0">
+                <a:latin typeface="CHARTER ROMAN" panose="02040503050506020203" pitchFamily="18" charset="0"/>
+              </a:rPr>
+              <a:t>modification</a:t>
+            </a:r>
+          </a:p>
+          <a:p>
+            <a:pPr>
+              <a:buFont typeface="Arial" panose="020B0604020202020204" pitchFamily="34" charset="0"/>
+              <a:buChar char="•"/>
+            </a:pPr>
+            <a:r>
+              <a:rPr lang="fr-FR" dirty="0">
+                <a:latin typeface="XCharter"/>
+              </a:rPr>
+              <a:t>Grâce à la méthode COW (</a:t>
+            </a:r>
+            <a:r>
+              <a:rPr lang="fr-FR" dirty="0" err="1">
+                <a:latin typeface="XCharter"/>
+              </a:rPr>
+              <a:t>Copy-On-Write</a:t>
+            </a:r>
+            <a:r>
+              <a:rPr lang="fr-FR" dirty="0">
+                <a:latin typeface="XCharter"/>
+              </a:rPr>
+              <a:t>) :</a:t>
+            </a:r>
+            <a:endParaRPr lang="fr-FR" dirty="0">
+              <a:latin typeface="CHARTER ROMAN" panose="02040503050506020203" pitchFamily="18" charset="0"/>
+            </a:endParaRPr>
+          </a:p>
+        </p:txBody>
+      </p:sp>
     </p:spTree>
     <p:extLst>
       <p:ext uri="{BB962C8B-B14F-4D97-AF65-F5344CB8AC3E}">
-        <p14:creationId xmlns:p14="http://schemas.microsoft.com/office/powerpoint/2010/main" val="3877439207"/>
+        <p14:creationId xmlns:p14="http://schemas.microsoft.com/office/powerpoint/2010/main" val="1073517840"/>
       </p:ext>
     </p:extLst>
   </p:cSld>
@@ -53714,7 +54646,7 @@
   <p:cSld>
     <p:spTree>
       <p:nvGrpSpPr>
-        <p:cNvPr id="1" name="Shape 451"/>
+        <p:cNvPr id="1" name="Shape 359"/>
         <p:cNvGrpSpPr/>
         <p:nvPr/>
       </p:nvGrpSpPr>
@@ -53728,22 +54660,45 @@
       </p:grpSpPr>
       <p:sp>
         <p:nvSpPr>
-          <p:cNvPr id="452" name="Google Shape;452;p36"/>
-          <p:cNvSpPr txBox="1">
-            <a:spLocks noGrp="1"/>
-          </p:cNvSpPr>
-          <p:nvPr>
-            <p:ph type="title"/>
-          </p:nvPr>
+          <p:cNvPr id="363" name="Google Shape;363;p30"/>
+          <p:cNvSpPr/>
+          <p:nvPr/>
         </p:nvSpPr>
         <p:spPr>
           <a:xfrm>
-            <a:off x="3227787" y="934700"/>
-            <a:ext cx="2688125" cy="538300"/>
+            <a:off x="7524751" y="3887550"/>
+            <a:ext cx="1619286" cy="241405"/>
           </a:xfrm>
-          <a:prstGeom prst="rect">
+          <a:custGeom>
             <a:avLst/>
-          </a:prstGeom>
+            <a:gdLst/>
+            <a:ahLst/>
+            <a:cxnLst/>
+            <a:rect l="l" t="t" r="r" b="b"/>
+            <a:pathLst>
+              <a:path w="146079" h="5859" extrusionOk="0">
+                <a:moveTo>
+                  <a:pt x="1" y="1"/>
+                </a:moveTo>
+                <a:lnTo>
+                  <a:pt x="1" y="5858"/>
+                </a:lnTo>
+                <a:lnTo>
+                  <a:pt x="146079" y="5858"/>
+                </a:lnTo>
+                <a:lnTo>
+                  <a:pt x="146079" y="1"/>
+                </a:lnTo>
+                <a:close/>
+              </a:path>
+            </a:pathLst>
+          </a:custGeom>
+          <a:solidFill>
+            <a:schemeClr val="dk2"/>
+          </a:solidFill>
+          <a:ln>
+            <a:noFill/>
+          </a:ln>
         </p:spPr>
         <p:txBody>
           <a:bodyPr spcFirstLastPara="1" wrap="square" lIns="91425" tIns="91425" rIns="91425" bIns="91425" anchor="ctr" anchorCtr="0">
@@ -53751,6 +54706,300 @@
           </a:bodyPr>
           <a:lstStyle/>
           <a:p>
+            <a:pPr marL="0" lvl="0" indent="0" algn="l" rtl="0">
+              <a:spcBef>
+                <a:spcPts val="0"/>
+              </a:spcBef>
+              <a:spcAft>
+                <a:spcPts val="0"/>
+              </a:spcAft>
+              <a:buNone/>
+            </a:pPr>
+            <a:endParaRPr/>
+          </a:p>
+        </p:txBody>
+      </p:sp>
+      <p:sp>
+        <p:nvSpPr>
+          <p:cNvPr id="2" name="Google Shape;452;p36">
+            <a:extLst>
+              <a:ext uri="{FF2B5EF4-FFF2-40B4-BE49-F238E27FC236}">
+                <a16:creationId xmlns:a16="http://schemas.microsoft.com/office/drawing/2014/main" id="{BC2F1CAC-B92A-4F4F-9668-1FDE3A6CFB94}"/>
+              </a:ext>
+            </a:extLst>
+          </p:cNvPr>
+          <p:cNvSpPr txBox="1">
+            <a:spLocks noGrp="1"/>
+          </p:cNvSpPr>
+          <p:nvPr/>
+        </p:nvSpPr>
+        <p:spPr>
+          <a:xfrm>
+            <a:off x="3124750" y="88037"/>
+            <a:ext cx="2688125" cy="538300"/>
+          </a:xfrm>
+          <a:prstGeom prst="rect">
+            <a:avLst/>
+          </a:prstGeom>
+          <a:solidFill>
+            <a:schemeClr val="dk2"/>
+          </a:solidFill>
+          <a:ln>
+            <a:noFill/>
+          </a:ln>
+        </p:spPr>
+        <p:txBody>
+          <a:bodyPr spcFirstLastPara="1" wrap="square" lIns="91425" tIns="91425" rIns="91425" bIns="91425" anchor="ctr" anchorCtr="0">
+            <a:noAutofit/>
+          </a:bodyPr>
+          <a:lstStyle>
+            <a:defPPr marR="0" lvl="0" algn="l" rtl="0">
+              <a:lnSpc>
+                <a:spcPct val="100000"/>
+              </a:lnSpc>
+              <a:spcBef>
+                <a:spcPts val="0"/>
+              </a:spcBef>
+              <a:spcAft>
+                <a:spcPts val="0"/>
+              </a:spcAft>
+            </a:defPPr>
+            <a:lvl1pPr marR="0" lvl="0" algn="ctr" rtl="0">
+              <a:lnSpc>
+                <a:spcPct val="100000"/>
+              </a:lnSpc>
+              <a:spcBef>
+                <a:spcPts val="0"/>
+              </a:spcBef>
+              <a:spcAft>
+                <a:spcPts val="0"/>
+              </a:spcAft>
+              <a:buClr>
+                <a:schemeClr val="dk1"/>
+              </a:buClr>
+              <a:buSzPts val="2200"/>
+              <a:buFont typeface="Overpass Mono"/>
+              <a:buNone/>
+              <a:defRPr sz="2200" b="1" i="0" u="none" strike="noStrike" cap="none">
+                <a:solidFill>
+                  <a:schemeClr val="dk1"/>
+                </a:solidFill>
+                <a:latin typeface="Overpass Mono"/>
+                <a:ea typeface="Overpass Mono"/>
+                <a:cs typeface="Overpass Mono"/>
+                <a:sym typeface="Overpass Mono"/>
+              </a:defRPr>
+            </a:lvl1pPr>
+            <a:lvl2pPr marR="0" lvl="1" algn="ctr" rtl="0">
+              <a:lnSpc>
+                <a:spcPct val="100000"/>
+              </a:lnSpc>
+              <a:spcBef>
+                <a:spcPts val="0"/>
+              </a:spcBef>
+              <a:spcAft>
+                <a:spcPts val="0"/>
+              </a:spcAft>
+              <a:buClr>
+                <a:schemeClr val="dk1"/>
+              </a:buClr>
+              <a:buSzPts val="2500"/>
+              <a:buFont typeface="Barlow"/>
+              <a:buNone/>
+              <a:defRPr sz="2500" b="1" i="0" u="none" strike="noStrike" cap="none">
+                <a:solidFill>
+                  <a:schemeClr val="dk1"/>
+                </a:solidFill>
+                <a:latin typeface="Barlow"/>
+                <a:ea typeface="Barlow"/>
+                <a:cs typeface="Barlow"/>
+                <a:sym typeface="Barlow"/>
+              </a:defRPr>
+            </a:lvl2pPr>
+            <a:lvl3pPr marR="0" lvl="2" algn="ctr" rtl="0">
+              <a:lnSpc>
+                <a:spcPct val="100000"/>
+              </a:lnSpc>
+              <a:spcBef>
+                <a:spcPts val="0"/>
+              </a:spcBef>
+              <a:spcAft>
+                <a:spcPts val="0"/>
+              </a:spcAft>
+              <a:buClr>
+                <a:schemeClr val="dk1"/>
+              </a:buClr>
+              <a:buSzPts val="2500"/>
+              <a:buFont typeface="Barlow"/>
+              <a:buNone/>
+              <a:defRPr sz="2500" b="1" i="0" u="none" strike="noStrike" cap="none">
+                <a:solidFill>
+                  <a:schemeClr val="dk1"/>
+                </a:solidFill>
+                <a:latin typeface="Barlow"/>
+                <a:ea typeface="Barlow"/>
+                <a:cs typeface="Barlow"/>
+                <a:sym typeface="Barlow"/>
+              </a:defRPr>
+            </a:lvl3pPr>
+            <a:lvl4pPr marR="0" lvl="3" algn="ctr" rtl="0">
+              <a:lnSpc>
+                <a:spcPct val="100000"/>
+              </a:lnSpc>
+              <a:spcBef>
+                <a:spcPts val="0"/>
+              </a:spcBef>
+              <a:spcAft>
+                <a:spcPts val="0"/>
+              </a:spcAft>
+              <a:buClr>
+                <a:schemeClr val="dk1"/>
+              </a:buClr>
+              <a:buSzPts val="2500"/>
+              <a:buFont typeface="Barlow"/>
+              <a:buNone/>
+              <a:defRPr sz="2500" b="1" i="0" u="none" strike="noStrike" cap="none">
+                <a:solidFill>
+                  <a:schemeClr val="dk1"/>
+                </a:solidFill>
+                <a:latin typeface="Barlow"/>
+                <a:ea typeface="Barlow"/>
+                <a:cs typeface="Barlow"/>
+                <a:sym typeface="Barlow"/>
+              </a:defRPr>
+            </a:lvl4pPr>
+            <a:lvl5pPr marR="0" lvl="4" algn="ctr" rtl="0">
+              <a:lnSpc>
+                <a:spcPct val="100000"/>
+              </a:lnSpc>
+              <a:spcBef>
+                <a:spcPts val="0"/>
+              </a:spcBef>
+              <a:spcAft>
+                <a:spcPts val="0"/>
+              </a:spcAft>
+              <a:buClr>
+                <a:schemeClr val="dk1"/>
+              </a:buClr>
+              <a:buSzPts val="2500"/>
+              <a:buFont typeface="Barlow"/>
+              <a:buNone/>
+              <a:defRPr sz="2500" b="1" i="0" u="none" strike="noStrike" cap="none">
+                <a:solidFill>
+                  <a:schemeClr val="dk1"/>
+                </a:solidFill>
+                <a:latin typeface="Barlow"/>
+                <a:ea typeface="Barlow"/>
+                <a:cs typeface="Barlow"/>
+                <a:sym typeface="Barlow"/>
+              </a:defRPr>
+            </a:lvl5pPr>
+            <a:lvl6pPr marR="0" lvl="5" algn="ctr" rtl="0">
+              <a:lnSpc>
+                <a:spcPct val="100000"/>
+              </a:lnSpc>
+              <a:spcBef>
+                <a:spcPts val="0"/>
+              </a:spcBef>
+              <a:spcAft>
+                <a:spcPts val="0"/>
+              </a:spcAft>
+              <a:buClr>
+                <a:schemeClr val="dk1"/>
+              </a:buClr>
+              <a:buSzPts val="2500"/>
+              <a:buFont typeface="Barlow"/>
+              <a:buNone/>
+              <a:defRPr sz="2500" b="1" i="0" u="none" strike="noStrike" cap="none">
+                <a:solidFill>
+                  <a:schemeClr val="dk1"/>
+                </a:solidFill>
+                <a:latin typeface="Barlow"/>
+                <a:ea typeface="Barlow"/>
+                <a:cs typeface="Barlow"/>
+                <a:sym typeface="Barlow"/>
+              </a:defRPr>
+            </a:lvl6pPr>
+            <a:lvl7pPr marR="0" lvl="6" algn="ctr" rtl="0">
+              <a:lnSpc>
+                <a:spcPct val="100000"/>
+              </a:lnSpc>
+              <a:spcBef>
+                <a:spcPts val="0"/>
+              </a:spcBef>
+              <a:spcAft>
+                <a:spcPts val="0"/>
+              </a:spcAft>
+              <a:buClr>
+                <a:schemeClr val="dk1"/>
+              </a:buClr>
+              <a:buSzPts val="2500"/>
+              <a:buFont typeface="Barlow"/>
+              <a:buNone/>
+              <a:defRPr sz="2500" b="1" i="0" u="none" strike="noStrike" cap="none">
+                <a:solidFill>
+                  <a:schemeClr val="dk1"/>
+                </a:solidFill>
+                <a:latin typeface="Barlow"/>
+                <a:ea typeface="Barlow"/>
+                <a:cs typeface="Barlow"/>
+                <a:sym typeface="Barlow"/>
+              </a:defRPr>
+            </a:lvl7pPr>
+            <a:lvl8pPr marR="0" lvl="7" algn="ctr" rtl="0">
+              <a:lnSpc>
+                <a:spcPct val="100000"/>
+              </a:lnSpc>
+              <a:spcBef>
+                <a:spcPts val="0"/>
+              </a:spcBef>
+              <a:spcAft>
+                <a:spcPts val="0"/>
+              </a:spcAft>
+              <a:buClr>
+                <a:schemeClr val="dk1"/>
+              </a:buClr>
+              <a:buSzPts val="2500"/>
+              <a:buFont typeface="Barlow"/>
+              <a:buNone/>
+              <a:defRPr sz="2500" b="1" i="0" u="none" strike="noStrike" cap="none">
+                <a:solidFill>
+                  <a:schemeClr val="dk1"/>
+                </a:solidFill>
+                <a:latin typeface="Barlow"/>
+                <a:ea typeface="Barlow"/>
+                <a:cs typeface="Barlow"/>
+                <a:sym typeface="Barlow"/>
+              </a:defRPr>
+            </a:lvl8pPr>
+            <a:lvl9pPr marR="0" lvl="8" algn="ctr" rtl="0">
+              <a:lnSpc>
+                <a:spcPct val="100000"/>
+              </a:lnSpc>
+              <a:spcBef>
+                <a:spcPts val="0"/>
+              </a:spcBef>
+              <a:spcAft>
+                <a:spcPts val="0"/>
+              </a:spcAft>
+              <a:buClr>
+                <a:schemeClr val="dk1"/>
+              </a:buClr>
+              <a:buSzPts val="2500"/>
+              <a:buFont typeface="Barlow"/>
+              <a:buNone/>
+              <a:defRPr sz="2500" b="1" i="0" u="none" strike="noStrike" cap="none">
+                <a:solidFill>
+                  <a:schemeClr val="dk1"/>
+                </a:solidFill>
+                <a:latin typeface="Barlow"/>
+                <a:ea typeface="Barlow"/>
+                <a:cs typeface="Barlow"/>
+                <a:sym typeface="Barlow"/>
+              </a:defRPr>
+            </a:lvl9pPr>
+          </a:lstStyle>
+          <a:p>
             <a:pPr marL="0" lvl="0" indent="0" algn="ctr" rtl="0">
               <a:spcBef>
                 <a:spcPts val="0"/>
@@ -53762,7 +55011,7 @@
             </a:pPr>
             <a:r>
               <a:rPr lang="fr-FR" dirty="0"/>
-              <a:t>Problèmes éventuels</a:t>
+              <a:t>COW</a:t>
             </a:r>
             <a:endParaRPr dirty="0"/>
           </a:p>
@@ -53770,30 +55019,284 @@
       </p:sp>
       <p:sp>
         <p:nvSpPr>
-          <p:cNvPr id="453" name="Google Shape;453;p36"/>
+          <p:cNvPr id="5" name="Google Shape;362;p30">
+            <a:extLst>
+              <a:ext uri="{FF2B5EF4-FFF2-40B4-BE49-F238E27FC236}">
+                <a16:creationId xmlns:a16="http://schemas.microsoft.com/office/drawing/2014/main" id="{05AF8FBE-06A8-9DCD-7E30-730F53DE7163}"/>
+              </a:ext>
+            </a:extLst>
+          </p:cNvPr>
           <p:cNvSpPr txBox="1">
             <a:spLocks noGrp="1"/>
           </p:cNvSpPr>
-          <p:nvPr>
-            <p:ph type="subTitle" idx="1"/>
-          </p:nvPr>
+          <p:nvPr/>
         </p:nvSpPr>
         <p:spPr>
           <a:xfrm>
-            <a:off x="1874367" y="1951175"/>
-            <a:ext cx="5394963" cy="2257625"/>
+            <a:off x="0" y="684166"/>
+            <a:ext cx="5614550" cy="669000"/>
           </a:xfrm>
           <a:prstGeom prst="rect">
             <a:avLst/>
           </a:prstGeom>
+          <a:noFill/>
+          <a:ln>
+            <a:noFill/>
+          </a:ln>
         </p:spPr>
         <p:txBody>
-          <a:bodyPr spcFirstLastPara="1" wrap="square" lIns="91425" tIns="0" rIns="91425" bIns="91425" anchor="t" anchorCtr="0">
+          <a:bodyPr spcFirstLastPara="1" wrap="square" lIns="91425" tIns="91425" rIns="91425" bIns="91425" anchor="t" anchorCtr="0">
             <a:noAutofit/>
           </a:bodyPr>
-          <a:lstStyle/>
+          <a:lstStyle>
+            <a:defPPr marR="0" lvl="0" algn="l" rtl="0">
+              <a:lnSpc>
+                <a:spcPct val="100000"/>
+              </a:lnSpc>
+              <a:spcBef>
+                <a:spcPts val="0"/>
+              </a:spcBef>
+              <a:spcAft>
+                <a:spcPts val="0"/>
+              </a:spcAft>
+            </a:defPPr>
+            <a:lvl1pPr marR="0" lvl="0" algn="l" rtl="0">
+              <a:lnSpc>
+                <a:spcPct val="100000"/>
+              </a:lnSpc>
+              <a:spcBef>
+                <a:spcPts val="0"/>
+              </a:spcBef>
+              <a:spcAft>
+                <a:spcPts val="0"/>
+              </a:spcAft>
+              <a:buClr>
+                <a:schemeClr val="lt1"/>
+              </a:buClr>
+              <a:buSzPts val="2800"/>
+              <a:buFont typeface="Overpass Mono"/>
+              <a:buNone/>
+              <a:defRPr sz="3000" b="1" i="0" u="none" strike="noStrike" cap="none">
+                <a:solidFill>
+                  <a:schemeClr val="dk2"/>
+                </a:solidFill>
+                <a:latin typeface="Overpass Mono"/>
+                <a:ea typeface="Overpass Mono"/>
+                <a:cs typeface="Overpass Mono"/>
+                <a:sym typeface="Overpass Mono"/>
+              </a:defRPr>
+            </a:lvl1pPr>
+            <a:lvl2pPr marR="0" lvl="1" algn="l" rtl="0">
+              <a:lnSpc>
+                <a:spcPct val="100000"/>
+              </a:lnSpc>
+              <a:spcBef>
+                <a:spcPts val="0"/>
+              </a:spcBef>
+              <a:spcAft>
+                <a:spcPts val="0"/>
+              </a:spcAft>
+              <a:buClr>
+                <a:schemeClr val="dk1"/>
+              </a:buClr>
+              <a:buSzPts val="2800"/>
+              <a:buFont typeface="Arial"/>
+              <a:buNone/>
+              <a:defRPr sz="3000" b="0" i="0" u="none" strike="noStrike" cap="none">
+                <a:solidFill>
+                  <a:schemeClr val="dk1"/>
+                </a:solidFill>
+                <a:latin typeface="Arial"/>
+                <a:ea typeface="Arial"/>
+                <a:cs typeface="Arial"/>
+                <a:sym typeface="Arial"/>
+              </a:defRPr>
+            </a:lvl2pPr>
+            <a:lvl3pPr marR="0" lvl="2" algn="l" rtl="0">
+              <a:lnSpc>
+                <a:spcPct val="100000"/>
+              </a:lnSpc>
+              <a:spcBef>
+                <a:spcPts val="0"/>
+              </a:spcBef>
+              <a:spcAft>
+                <a:spcPts val="0"/>
+              </a:spcAft>
+              <a:buClr>
+                <a:schemeClr val="dk1"/>
+              </a:buClr>
+              <a:buSzPts val="2800"/>
+              <a:buFont typeface="Arial"/>
+              <a:buNone/>
+              <a:defRPr sz="3000" b="0" i="0" u="none" strike="noStrike" cap="none">
+                <a:solidFill>
+                  <a:schemeClr val="dk1"/>
+                </a:solidFill>
+                <a:latin typeface="Arial"/>
+                <a:ea typeface="Arial"/>
+                <a:cs typeface="Arial"/>
+                <a:sym typeface="Arial"/>
+              </a:defRPr>
+            </a:lvl3pPr>
+            <a:lvl4pPr marR="0" lvl="3" algn="l" rtl="0">
+              <a:lnSpc>
+                <a:spcPct val="100000"/>
+              </a:lnSpc>
+              <a:spcBef>
+                <a:spcPts val="0"/>
+              </a:spcBef>
+              <a:spcAft>
+                <a:spcPts val="0"/>
+              </a:spcAft>
+              <a:buClr>
+                <a:schemeClr val="dk1"/>
+              </a:buClr>
+              <a:buSzPts val="2800"/>
+              <a:buFont typeface="Arial"/>
+              <a:buNone/>
+              <a:defRPr sz="3000" b="0" i="0" u="none" strike="noStrike" cap="none">
+                <a:solidFill>
+                  <a:schemeClr val="dk1"/>
+                </a:solidFill>
+                <a:latin typeface="Arial"/>
+                <a:ea typeface="Arial"/>
+                <a:cs typeface="Arial"/>
+                <a:sym typeface="Arial"/>
+              </a:defRPr>
+            </a:lvl4pPr>
+            <a:lvl5pPr marR="0" lvl="4" algn="l" rtl="0">
+              <a:lnSpc>
+                <a:spcPct val="100000"/>
+              </a:lnSpc>
+              <a:spcBef>
+                <a:spcPts val="0"/>
+              </a:spcBef>
+              <a:spcAft>
+                <a:spcPts val="0"/>
+              </a:spcAft>
+              <a:buClr>
+                <a:schemeClr val="dk1"/>
+              </a:buClr>
+              <a:buSzPts val="2800"/>
+              <a:buFont typeface="Arial"/>
+              <a:buNone/>
+              <a:defRPr sz="3000" b="0" i="0" u="none" strike="noStrike" cap="none">
+                <a:solidFill>
+                  <a:schemeClr val="dk1"/>
+                </a:solidFill>
+                <a:latin typeface="Arial"/>
+                <a:ea typeface="Arial"/>
+                <a:cs typeface="Arial"/>
+                <a:sym typeface="Arial"/>
+              </a:defRPr>
+            </a:lvl5pPr>
+            <a:lvl6pPr marR="0" lvl="5" algn="l" rtl="0">
+              <a:lnSpc>
+                <a:spcPct val="100000"/>
+              </a:lnSpc>
+              <a:spcBef>
+                <a:spcPts val="0"/>
+              </a:spcBef>
+              <a:spcAft>
+                <a:spcPts val="0"/>
+              </a:spcAft>
+              <a:buClr>
+                <a:schemeClr val="dk1"/>
+              </a:buClr>
+              <a:buSzPts val="2800"/>
+              <a:buFont typeface="Arial"/>
+              <a:buNone/>
+              <a:defRPr sz="3000" b="0" i="0" u="none" strike="noStrike" cap="none">
+                <a:solidFill>
+                  <a:schemeClr val="dk1"/>
+                </a:solidFill>
+                <a:latin typeface="Arial"/>
+                <a:ea typeface="Arial"/>
+                <a:cs typeface="Arial"/>
+                <a:sym typeface="Arial"/>
+              </a:defRPr>
+            </a:lvl6pPr>
+            <a:lvl7pPr marR="0" lvl="6" algn="l" rtl="0">
+              <a:lnSpc>
+                <a:spcPct val="100000"/>
+              </a:lnSpc>
+              <a:spcBef>
+                <a:spcPts val="0"/>
+              </a:spcBef>
+              <a:spcAft>
+                <a:spcPts val="0"/>
+              </a:spcAft>
+              <a:buClr>
+                <a:schemeClr val="dk1"/>
+              </a:buClr>
+              <a:buSzPts val="2800"/>
+              <a:buFont typeface="Arial"/>
+              <a:buNone/>
+              <a:defRPr sz="3000" b="0" i="0" u="none" strike="noStrike" cap="none">
+                <a:solidFill>
+                  <a:schemeClr val="dk1"/>
+                </a:solidFill>
+                <a:latin typeface="Arial"/>
+                <a:ea typeface="Arial"/>
+                <a:cs typeface="Arial"/>
+                <a:sym typeface="Arial"/>
+              </a:defRPr>
+            </a:lvl7pPr>
+            <a:lvl8pPr marR="0" lvl="7" algn="l" rtl="0">
+              <a:lnSpc>
+                <a:spcPct val="100000"/>
+              </a:lnSpc>
+              <a:spcBef>
+                <a:spcPts val="0"/>
+              </a:spcBef>
+              <a:spcAft>
+                <a:spcPts val="0"/>
+              </a:spcAft>
+              <a:buClr>
+                <a:schemeClr val="dk1"/>
+              </a:buClr>
+              <a:buSzPts val="2800"/>
+              <a:buFont typeface="Arial"/>
+              <a:buNone/>
+              <a:defRPr sz="3000" b="0" i="0" u="none" strike="noStrike" cap="none">
+                <a:solidFill>
+                  <a:schemeClr val="dk1"/>
+                </a:solidFill>
+                <a:latin typeface="Arial"/>
+                <a:ea typeface="Arial"/>
+                <a:cs typeface="Arial"/>
+                <a:sym typeface="Arial"/>
+              </a:defRPr>
+            </a:lvl8pPr>
+            <a:lvl9pPr marR="0" lvl="8" algn="l" rtl="0">
+              <a:lnSpc>
+                <a:spcPct val="100000"/>
+              </a:lnSpc>
+              <a:spcBef>
+                <a:spcPts val="0"/>
+              </a:spcBef>
+              <a:spcAft>
+                <a:spcPts val="0"/>
+              </a:spcAft>
+              <a:buClr>
+                <a:schemeClr val="dk1"/>
+              </a:buClr>
+              <a:buSzPts val="2800"/>
+              <a:buFont typeface="Arial"/>
+              <a:buNone/>
+              <a:defRPr sz="3000" b="0" i="0" u="none" strike="noStrike" cap="none">
+                <a:solidFill>
+                  <a:schemeClr val="dk1"/>
+                </a:solidFill>
+                <a:latin typeface="Arial"/>
+                <a:ea typeface="Arial"/>
+                <a:cs typeface="Arial"/>
+                <a:sym typeface="Arial"/>
+              </a:defRPr>
+            </a:lvl9pPr>
+          </a:lstStyle>
           <a:p>
-            <a:pPr marL="0" lvl="0" indent="0" algn="ctr" rtl="0">
+            <a:pPr marL="0" lvl="0" indent="0" algn="l" rtl="0">
               <a:spcBef>
                 <a:spcPts val="0"/>
               </a:spcBef>
@@ -53803,44 +55306,758 @@
               <a:buNone/>
             </a:pPr>
             <a:r>
-              <a:rPr lang="fr-BE" sz="1600" dirty="0"/>
-              <a:t>Au vu du fait que fork duplique l’espace d’adressage et d’autres fonctionnement du</a:t>
+              <a:rPr lang="fr-FR" dirty="0"/>
+              <a:t>COPY-ON-WRITE</a:t>
+            </a:r>
+            <a:endParaRPr dirty="0">
+              <a:solidFill>
+                <a:schemeClr val="dk2"/>
+              </a:solidFill>
+            </a:endParaRPr>
+          </a:p>
+        </p:txBody>
+      </p:sp>
+      <p:sp>
+        <p:nvSpPr>
+          <p:cNvPr id="7" name="Google Shape;361;p30">
+            <a:extLst>
+              <a:ext uri="{FF2B5EF4-FFF2-40B4-BE49-F238E27FC236}">
+                <a16:creationId xmlns:a16="http://schemas.microsoft.com/office/drawing/2014/main" id="{36101C92-56F4-7D15-A8AF-96A08F1A077E}"/>
+              </a:ext>
+            </a:extLst>
+          </p:cNvPr>
+          <p:cNvSpPr txBox="1">
+            <a:spLocks/>
+          </p:cNvSpPr>
+          <p:nvPr/>
+        </p:nvSpPr>
+        <p:spPr>
+          <a:xfrm>
+            <a:off x="77686" y="1133967"/>
+            <a:ext cx="8471002" cy="1207596"/>
+          </a:xfrm>
+          <a:prstGeom prst="rect">
+            <a:avLst/>
+          </a:prstGeom>
+          <a:noFill/>
+          <a:ln>
+            <a:noFill/>
+          </a:ln>
+        </p:spPr>
+        <p:txBody>
+          <a:bodyPr spcFirstLastPara="1" wrap="square" lIns="91425" tIns="91425" rIns="91425" bIns="91425" anchor="t" anchorCtr="0">
+            <a:noAutofit/>
+          </a:bodyPr>
+          <a:lstStyle>
+            <a:defPPr marR="0" lvl="0" algn="l" rtl="0">
+              <a:lnSpc>
+                <a:spcPct val="100000"/>
+              </a:lnSpc>
+              <a:spcBef>
+                <a:spcPts val="0"/>
+              </a:spcBef>
+              <a:spcAft>
+                <a:spcPts val="0"/>
+              </a:spcAft>
+            </a:defPPr>
+            <a:lvl1pPr marL="457200" marR="0" lvl="0" indent="-330200" algn="l" rtl="0">
+              <a:lnSpc>
+                <a:spcPct val="100000"/>
+              </a:lnSpc>
+              <a:spcBef>
+                <a:spcPts val="0"/>
+              </a:spcBef>
+              <a:spcAft>
+                <a:spcPts val="0"/>
+              </a:spcAft>
+              <a:buClr>
+                <a:schemeClr val="lt1"/>
+              </a:buClr>
+              <a:buSzPts val="1600"/>
+              <a:buFont typeface="Raleway SemiBold"/>
+              <a:buChar char="●"/>
+              <a:defRPr sz="1600" b="0" i="0" u="none" strike="noStrike" cap="none">
+                <a:solidFill>
+                  <a:schemeClr val="lt1"/>
+                </a:solidFill>
+                <a:latin typeface="Anaheim"/>
+                <a:ea typeface="Anaheim"/>
+                <a:cs typeface="Anaheim"/>
+                <a:sym typeface="Anaheim"/>
+              </a:defRPr>
+            </a:lvl1pPr>
+            <a:lvl2pPr marL="914400" marR="0" lvl="1" indent="-330200" algn="l" rtl="0">
+              <a:lnSpc>
+                <a:spcPct val="115000"/>
+              </a:lnSpc>
+              <a:spcBef>
+                <a:spcPts val="0"/>
+              </a:spcBef>
+              <a:spcAft>
+                <a:spcPts val="0"/>
+              </a:spcAft>
+              <a:buClr>
+                <a:schemeClr val="lt1"/>
+              </a:buClr>
+              <a:buSzPts val="1600"/>
+              <a:buFont typeface="Nunito Light"/>
+              <a:buChar char="○"/>
+              <a:defRPr sz="1600" b="0" i="0" u="none" strike="noStrike" cap="none">
+                <a:solidFill>
+                  <a:schemeClr val="lt1"/>
+                </a:solidFill>
+                <a:latin typeface="Anaheim"/>
+                <a:ea typeface="Anaheim"/>
+                <a:cs typeface="Anaheim"/>
+                <a:sym typeface="Anaheim"/>
+              </a:defRPr>
+            </a:lvl2pPr>
+            <a:lvl3pPr marL="1371600" marR="0" lvl="2" indent="-330200" algn="l" rtl="0">
+              <a:lnSpc>
+                <a:spcPct val="115000"/>
+              </a:lnSpc>
+              <a:spcBef>
+                <a:spcPts val="1600"/>
+              </a:spcBef>
+              <a:spcAft>
+                <a:spcPts val="0"/>
+              </a:spcAft>
+              <a:buClr>
+                <a:schemeClr val="lt1"/>
+              </a:buClr>
+              <a:buSzPts val="1600"/>
+              <a:buFont typeface="Nunito Light"/>
+              <a:buChar char="■"/>
+              <a:defRPr sz="1600" b="0" i="0" u="none" strike="noStrike" cap="none">
+                <a:solidFill>
+                  <a:schemeClr val="lt1"/>
+                </a:solidFill>
+                <a:latin typeface="Anaheim"/>
+                <a:ea typeface="Anaheim"/>
+                <a:cs typeface="Anaheim"/>
+                <a:sym typeface="Anaheim"/>
+              </a:defRPr>
+            </a:lvl3pPr>
+            <a:lvl4pPr marL="1828800" marR="0" lvl="3" indent="-330200" algn="l" rtl="0">
+              <a:lnSpc>
+                <a:spcPct val="115000"/>
+              </a:lnSpc>
+              <a:spcBef>
+                <a:spcPts val="1600"/>
+              </a:spcBef>
+              <a:spcAft>
+                <a:spcPts val="0"/>
+              </a:spcAft>
+              <a:buClr>
+                <a:schemeClr val="lt1"/>
+              </a:buClr>
+              <a:buSzPts val="1600"/>
+              <a:buFont typeface="Nunito Light"/>
+              <a:buChar char="●"/>
+              <a:defRPr sz="1600" b="0" i="0" u="none" strike="noStrike" cap="none">
+                <a:solidFill>
+                  <a:schemeClr val="lt1"/>
+                </a:solidFill>
+                <a:latin typeface="Anaheim"/>
+                <a:ea typeface="Anaheim"/>
+                <a:cs typeface="Anaheim"/>
+                <a:sym typeface="Anaheim"/>
+              </a:defRPr>
+            </a:lvl4pPr>
+            <a:lvl5pPr marL="2286000" marR="0" lvl="4" indent="-330200" algn="l" rtl="0">
+              <a:lnSpc>
+                <a:spcPct val="115000"/>
+              </a:lnSpc>
+              <a:spcBef>
+                <a:spcPts val="1600"/>
+              </a:spcBef>
+              <a:spcAft>
+                <a:spcPts val="0"/>
+              </a:spcAft>
+              <a:buClr>
+                <a:schemeClr val="lt1"/>
+              </a:buClr>
+              <a:buSzPts val="1600"/>
+              <a:buFont typeface="Nunito Light"/>
+              <a:buChar char="○"/>
+              <a:defRPr sz="1600" b="0" i="0" u="none" strike="noStrike" cap="none">
+                <a:solidFill>
+                  <a:schemeClr val="lt1"/>
+                </a:solidFill>
+                <a:latin typeface="Anaheim"/>
+                <a:ea typeface="Anaheim"/>
+                <a:cs typeface="Anaheim"/>
+                <a:sym typeface="Anaheim"/>
+              </a:defRPr>
+            </a:lvl5pPr>
+            <a:lvl6pPr marL="2743200" marR="0" lvl="5" indent="-330200" algn="l" rtl="0">
+              <a:lnSpc>
+                <a:spcPct val="115000"/>
+              </a:lnSpc>
+              <a:spcBef>
+                <a:spcPts val="1600"/>
+              </a:spcBef>
+              <a:spcAft>
+                <a:spcPts val="0"/>
+              </a:spcAft>
+              <a:buClr>
+                <a:schemeClr val="lt1"/>
+              </a:buClr>
+              <a:buSzPts val="1600"/>
+              <a:buFont typeface="Nunito Light"/>
+              <a:buChar char="■"/>
+              <a:defRPr sz="1600" b="0" i="0" u="none" strike="noStrike" cap="none">
+                <a:solidFill>
+                  <a:schemeClr val="lt1"/>
+                </a:solidFill>
+                <a:latin typeface="Anaheim"/>
+                <a:ea typeface="Anaheim"/>
+                <a:cs typeface="Anaheim"/>
+                <a:sym typeface="Anaheim"/>
+              </a:defRPr>
+            </a:lvl6pPr>
+            <a:lvl7pPr marL="3200400" marR="0" lvl="6" indent="-330200" algn="l" rtl="0">
+              <a:lnSpc>
+                <a:spcPct val="115000"/>
+              </a:lnSpc>
+              <a:spcBef>
+                <a:spcPts val="1600"/>
+              </a:spcBef>
+              <a:spcAft>
+                <a:spcPts val="0"/>
+              </a:spcAft>
+              <a:buClr>
+                <a:schemeClr val="lt1"/>
+              </a:buClr>
+              <a:buSzPts val="1600"/>
+              <a:buFont typeface="Nunito Light"/>
+              <a:buChar char="●"/>
+              <a:defRPr sz="1600" b="0" i="0" u="none" strike="noStrike" cap="none">
+                <a:solidFill>
+                  <a:schemeClr val="lt1"/>
+                </a:solidFill>
+                <a:latin typeface="Anaheim"/>
+                <a:ea typeface="Anaheim"/>
+                <a:cs typeface="Anaheim"/>
+                <a:sym typeface="Anaheim"/>
+              </a:defRPr>
+            </a:lvl7pPr>
+            <a:lvl8pPr marL="3657600" marR="0" lvl="7" indent="-330200" algn="l" rtl="0">
+              <a:lnSpc>
+                <a:spcPct val="115000"/>
+              </a:lnSpc>
+              <a:spcBef>
+                <a:spcPts val="1600"/>
+              </a:spcBef>
+              <a:spcAft>
+                <a:spcPts val="0"/>
+              </a:spcAft>
+              <a:buClr>
+                <a:schemeClr val="lt1"/>
+              </a:buClr>
+              <a:buSzPts val="1600"/>
+              <a:buFont typeface="Nunito Light"/>
+              <a:buChar char="○"/>
+              <a:defRPr sz="1600" b="0" i="0" u="none" strike="noStrike" cap="none">
+                <a:solidFill>
+                  <a:schemeClr val="lt1"/>
+                </a:solidFill>
+                <a:latin typeface="Anaheim"/>
+                <a:ea typeface="Anaheim"/>
+                <a:cs typeface="Anaheim"/>
+                <a:sym typeface="Anaheim"/>
+              </a:defRPr>
+            </a:lvl8pPr>
+            <a:lvl9pPr marL="4114800" marR="0" lvl="8" indent="-330200" algn="l" rtl="0">
+              <a:lnSpc>
+                <a:spcPct val="115000"/>
+              </a:lnSpc>
+              <a:spcBef>
+                <a:spcPts val="1600"/>
+              </a:spcBef>
+              <a:spcAft>
+                <a:spcPts val="1600"/>
+              </a:spcAft>
+              <a:buClr>
+                <a:schemeClr val="lt1"/>
+              </a:buClr>
+              <a:buSzPts val="1600"/>
+              <a:buFont typeface="Nunito Light"/>
+              <a:buChar char="■"/>
+              <a:defRPr sz="1600" b="0" i="0" u="none" strike="noStrike" cap="none">
+                <a:solidFill>
+                  <a:schemeClr val="lt1"/>
+                </a:solidFill>
+                <a:latin typeface="Anaheim"/>
+                <a:ea typeface="Anaheim"/>
+                <a:cs typeface="Anaheim"/>
+                <a:sym typeface="Anaheim"/>
+              </a:defRPr>
+            </a:lvl9pPr>
+          </a:lstStyle>
+          <a:p>
+            <a:pPr>
+              <a:buFont typeface="Arial" panose="020B0604020202020204" pitchFamily="34" charset="0"/>
+              <a:buChar char="•"/>
+            </a:pPr>
+            <a:r>
+              <a:rPr lang="fr-FR" b="0" i="0" u="none" strike="noStrike" dirty="0">
+                <a:effectLst/>
+                <a:latin typeface="CHARTER ROMAN" panose="02040503050506020203" pitchFamily="18" charset="0"/>
+              </a:rPr>
+              <a:t>Aucune </a:t>
+            </a:r>
+            <a:r>
+              <a:rPr lang="fr-FR" b="0" i="0" u="none" strike="noStrike" dirty="0" err="1">
+                <a:effectLst/>
+                <a:latin typeface="CHARTER ROMAN" panose="02040503050506020203" pitchFamily="18" charset="0"/>
+              </a:rPr>
+              <a:t>modif</a:t>
+            </a:r>
+            <a:r>
+              <a:rPr lang="fr-FR" b="0" i="0" u="none" strike="noStrike" dirty="0">
+                <a:effectLst/>
+                <a:latin typeface="CHARTER ROMAN" panose="02040503050506020203" pitchFamily="18" charset="0"/>
+              </a:rPr>
+              <a:t> de mémoire </a:t>
+            </a:r>
+            <a:r>
+              <a:rPr lang="fr-BE" b="0" i="0" u="none" strike="noStrike" dirty="0">
+                <a:effectLst/>
+                <a:latin typeface="CHARTER ROMAN" panose="02040503050506020203" pitchFamily="18" charset="0"/>
+              </a:rPr>
+              <a:t>et exécut</a:t>
+            </a:r>
+            <a:r>
+              <a:rPr lang="fr-FR" b="0" i="0" u="none" strike="noStrike" dirty="0">
+                <a:effectLst/>
+                <a:latin typeface="CHARTER ROMAN" panose="02040503050506020203" pitchFamily="18" charset="0"/>
+              </a:rPr>
+              <a:t>ion</a:t>
+            </a:r>
+            <a:r>
+              <a:rPr lang="fr-BE" b="0" i="0" u="none" strike="noStrike" dirty="0">
+                <a:effectLst/>
+                <a:latin typeface="CHARTER ROMAN" panose="02040503050506020203" pitchFamily="18" charset="0"/>
+              </a:rPr>
+              <a:t> immédiat</a:t>
+            </a:r>
+            <a:r>
+              <a:rPr lang="fr-FR" b="0" i="0" u="none" strike="noStrike" dirty="0">
+                <a:effectLst/>
+                <a:latin typeface="CHARTER ROMAN" panose="02040503050506020203" pitchFamily="18" charset="0"/>
+              </a:rPr>
+              <a:t>e d’</a:t>
+            </a:r>
+            <a:r>
+              <a:rPr lang="fr-BE" b="0" i="0" u="none" strike="noStrike" dirty="0">
+                <a:effectLst/>
+                <a:latin typeface="CHARTER ROMAN" panose="02040503050506020203" pitchFamily="18" charset="0"/>
+              </a:rPr>
+              <a:t>un nouveau processus,</a:t>
+            </a:r>
+            <a:r>
+              <a:rPr lang="fr-FR" b="0" i="0" u="none" strike="noStrike" dirty="0">
+                <a:effectLst/>
+                <a:latin typeface="CHARTER ROMAN" panose="02040503050506020203" pitchFamily="18" charset="0"/>
+              </a:rPr>
+              <a:t> </a:t>
+            </a:r>
+            <a:r>
+              <a:rPr lang="fr-BE" b="0" i="0" u="none" strike="noStrike" dirty="0">
+                <a:effectLst/>
+                <a:latin typeface="CHARTER ROMAN" panose="02040503050506020203" pitchFamily="18" charset="0"/>
+              </a:rPr>
+              <a:t>remplaçant espace d’adressage</a:t>
+            </a:r>
+            <a:r>
+              <a:rPr lang="fr-FR" b="0" i="0" u="none" strike="noStrike" dirty="0">
+                <a:effectLst/>
+                <a:latin typeface="CHARTER ROMAN" panose="02040503050506020203" pitchFamily="18" charset="0"/>
+              </a:rPr>
+              <a:t> -&gt; </a:t>
+            </a:r>
+            <a:r>
+              <a:rPr lang="fr-BE" b="0" i="0" u="none" strike="noStrike" dirty="0">
+                <a:effectLst/>
+                <a:latin typeface="CHARTER ROMAN" panose="02040503050506020203" pitchFamily="18" charset="0"/>
+              </a:rPr>
+              <a:t>inutile de copier toute la mémoire du processus</a:t>
+            </a:r>
+            <a:r>
+              <a:rPr lang="fr-FR" b="0" i="0" u="none" strike="noStrike" dirty="0">
+                <a:effectLst/>
+                <a:latin typeface="CHARTER ROMAN" panose="02040503050506020203" pitchFamily="18" charset="0"/>
+              </a:rPr>
+              <a:t> -&gt; </a:t>
+            </a:r>
+            <a:r>
+              <a:rPr lang="fr-BE" b="0" i="0" u="none" strike="noStrike" dirty="0">
+                <a:effectLst/>
+                <a:latin typeface="CHARTER ROMAN" panose="02040503050506020203" pitchFamily="18" charset="0"/>
+              </a:rPr>
+              <a:t>COW utilisée</a:t>
+            </a:r>
+            <a:endParaRPr lang="fr-FR" b="0" i="0" u="none" strike="noStrike" dirty="0">
+              <a:effectLst/>
+              <a:latin typeface="CHARTER ROMAN" panose="02040503050506020203" pitchFamily="18" charset="0"/>
+            </a:endParaRPr>
+          </a:p>
+          <a:p>
+            <a:pPr>
+              <a:buFont typeface="Arial" panose="020B0604020202020204" pitchFamily="34" charset="0"/>
+              <a:buChar char="•"/>
+            </a:pPr>
+            <a:r>
+              <a:rPr lang="fr-FR" dirty="0">
+                <a:latin typeface="Arial" panose="020B0604020202020204" pitchFamily="34" charset="0"/>
+              </a:rPr>
+              <a:t>M</a:t>
+            </a:r>
+            <a:r>
+              <a:rPr lang="fr-BE" b="0" i="0" u="none" strike="noStrike" dirty="0">
+                <a:effectLst/>
+                <a:latin typeface="Arial" panose="020B0604020202020204" pitchFamily="34" charset="0"/>
+              </a:rPr>
+              <a:t>ise en œuvre efficace</a:t>
+            </a:r>
+            <a:r>
+              <a:rPr lang="fr-FR" b="0" i="0" u="none" strike="noStrike" dirty="0">
+                <a:effectLst/>
+                <a:latin typeface="Arial" panose="020B0604020202020204" pitchFamily="34" charset="0"/>
+              </a:rPr>
+              <a:t> :</a:t>
             </a:r>
           </a:p>
           <a:p>
-            <a:pPr marL="0" lvl="0" indent="0" algn="ctr" rtl="0">
-              <a:spcBef>
-                <a:spcPts val="0"/>
-              </a:spcBef>
-              <a:spcAft>
-                <a:spcPts val="0"/>
-              </a:spcAft>
-              <a:buNone/>
+            <a:pPr lvl="1">
+              <a:buFont typeface="Arial" panose="020B0604020202020204" pitchFamily="34" charset="0"/>
+              <a:buChar char="•"/>
             </a:pPr>
             <a:r>
-              <a:rPr lang="fr-BE" sz="1600" dirty="0"/>
-              <a:t>parent (comme les threads,...), cela peut vite remplir la mémoire, ralentir l’ordina-</a:t>
+              <a:rPr lang="fr-FR" dirty="0">
+                <a:latin typeface="Arial" panose="020B0604020202020204" pitchFamily="34" charset="0"/>
+              </a:rPr>
+              <a:t>En u</a:t>
             </a:r>
+            <a:r>
+              <a:rPr lang="fr-BE" b="0" i="0" u="none" strike="noStrike" dirty="0">
+                <a:effectLst/>
+                <a:latin typeface="Arial" panose="020B0604020202020204" pitchFamily="34" charset="0"/>
+              </a:rPr>
+              <a:t>tilisant l</a:t>
+            </a:r>
+            <a:r>
+              <a:rPr lang="fr-FR" b="0" i="0" u="none" strike="noStrike" dirty="0">
+                <a:effectLst/>
+                <a:latin typeface="Arial" panose="020B0604020202020204" pitchFamily="34" charset="0"/>
+              </a:rPr>
+              <a:t>a table </a:t>
+            </a:r>
+            <a:r>
+              <a:rPr lang="fr-BE" b="0" i="0" u="none" strike="noStrike" dirty="0">
+                <a:effectLst/>
+                <a:latin typeface="Arial" panose="020B0604020202020204" pitchFamily="34" charset="0"/>
+              </a:rPr>
+              <a:t>des pages en marquant</a:t>
+            </a:r>
+            <a:r>
+              <a:rPr lang="fr-FR" b="0" i="0" u="none" strike="noStrike" dirty="0">
+                <a:effectLst/>
+                <a:latin typeface="Arial" panose="020B0604020202020204" pitchFamily="34" charset="0"/>
+              </a:rPr>
+              <a:t> </a:t>
+            </a:r>
+            <a:r>
+              <a:rPr lang="fr-BE" b="0" i="0" u="none" strike="noStrike" dirty="0">
+                <a:effectLst/>
+                <a:latin typeface="Arial" panose="020B0604020202020204" pitchFamily="34" charset="0"/>
+              </a:rPr>
+              <a:t>certaines pages de mémoire comme étant en lecture</a:t>
+            </a:r>
+            <a:r>
+              <a:rPr lang="fr-FR" b="0" i="0" u="none" strike="noStrike" dirty="0">
+                <a:effectLst/>
+                <a:latin typeface="Arial" panose="020B0604020202020204" pitchFamily="34" charset="0"/>
+              </a:rPr>
+              <a:t> </a:t>
+            </a:r>
+            <a:r>
+              <a:rPr lang="fr-BE" b="0" i="0" u="none" strike="noStrike" dirty="0">
+                <a:effectLst/>
+                <a:latin typeface="Arial" panose="020B0604020202020204" pitchFamily="34" charset="0"/>
+              </a:rPr>
+              <a:t>seule et en comptant le nombre de références à la</a:t>
+            </a:r>
+            <a:r>
+              <a:rPr lang="fr-FR" b="0" i="0" u="none" strike="noStrike" dirty="0">
+                <a:effectLst/>
+                <a:latin typeface="Arial" panose="020B0604020202020204" pitchFamily="34" charset="0"/>
+              </a:rPr>
+              <a:t> </a:t>
+            </a:r>
+            <a:r>
+              <a:rPr lang="fr-BE" b="0" i="0" u="none" strike="noStrike" dirty="0">
+                <a:effectLst/>
+                <a:latin typeface="Arial" panose="020B0604020202020204" pitchFamily="34" charset="0"/>
+              </a:rPr>
+              <a:t>page.</a:t>
+            </a:r>
+            <a:endParaRPr lang="fr-FR" b="0" i="0" u="none" strike="noStrike" dirty="0">
+              <a:effectLst/>
+              <a:latin typeface="Arial" panose="020B0604020202020204" pitchFamily="34" charset="0"/>
+            </a:endParaRPr>
           </a:p>
           <a:p>
-            <a:pPr marL="0" lvl="0" indent="0" algn="ctr" rtl="0">
-              <a:spcBef>
-                <a:spcPts val="0"/>
-              </a:spcBef>
-              <a:spcAft>
-                <a:spcPts val="0"/>
-              </a:spcAft>
-              <a:buNone/>
+            <a:pPr lvl="1">
+              <a:buFont typeface="Arial" panose="020B0604020202020204" pitchFamily="34" charset="0"/>
+              <a:buChar char="•"/>
             </a:pPr>
             <a:r>
-              <a:rPr lang="fr-BE" sz="1600" dirty="0"/>
-              <a:t>teur et empêcher la création de nouveaux processus.</a:t>
+              <a:rPr lang="fr-BE" b="0" i="0" u="none" strike="noStrike" dirty="0">
+                <a:effectLst/>
+                <a:latin typeface="Arial" panose="020B0604020202020204" pitchFamily="34" charset="0"/>
+              </a:rPr>
+              <a:t>Lorsque des données sont écrites sur ces pages,</a:t>
             </a:r>
-            <a:endParaRPr sz="1600" dirty="0"/>
+            <a:r>
+              <a:rPr lang="fr-FR" b="0" i="0" u="none" strike="noStrike" dirty="0">
+                <a:effectLst/>
+                <a:latin typeface="Arial" panose="020B0604020202020204" pitchFamily="34" charset="0"/>
+              </a:rPr>
+              <a:t> </a:t>
+            </a:r>
+            <a:r>
+              <a:rPr lang="fr-BE" b="0" i="0" u="none" strike="noStrike" dirty="0">
+                <a:effectLst/>
+                <a:latin typeface="Arial" panose="020B0604020202020204" pitchFamily="34" charset="0"/>
+              </a:rPr>
+              <a:t>le noyau</a:t>
+            </a:r>
+            <a:r>
+              <a:rPr lang="fr-FR" b="0" i="0" u="none" strike="noStrike" dirty="0">
+                <a:effectLst/>
+                <a:latin typeface="Arial" panose="020B0604020202020204" pitchFamily="34" charset="0"/>
+              </a:rPr>
+              <a:t> </a:t>
+            </a:r>
+            <a:r>
+              <a:rPr lang="fr-BE" b="0" i="0" u="none" strike="noStrike" dirty="0">
+                <a:effectLst/>
+                <a:latin typeface="Arial" panose="020B0604020202020204" pitchFamily="34" charset="0"/>
+              </a:rPr>
+              <a:t>intercepte la</a:t>
+            </a:r>
+            <a:r>
+              <a:rPr lang="fr-FR" b="0" i="0" u="none" strike="noStrike" dirty="0">
+                <a:effectLst/>
+                <a:latin typeface="Arial" panose="020B0604020202020204" pitchFamily="34" charset="0"/>
+              </a:rPr>
+              <a:t> </a:t>
+            </a:r>
+            <a:r>
+              <a:rPr lang="fr-BE" b="0" i="0" u="none" strike="noStrike" dirty="0">
+                <a:effectLst/>
+                <a:latin typeface="Arial" panose="020B0604020202020204" pitchFamily="34" charset="0"/>
+              </a:rPr>
+              <a:t>tentative d’écriture et alloue une </a:t>
+            </a:r>
+            <a:r>
+              <a:rPr lang="fr-FR" b="0" i="0" u="none" strike="noStrike" dirty="0">
+                <a:effectLst/>
+                <a:latin typeface="Arial" panose="020B0604020202020204" pitchFamily="34" charset="0"/>
+              </a:rPr>
+              <a:t>NOUVELLE PAGE</a:t>
+            </a:r>
+            <a:r>
+              <a:rPr lang="fr-BE" b="0" i="0" u="none" strike="noStrike" dirty="0">
+                <a:effectLst/>
+                <a:latin typeface="Arial" panose="020B0604020202020204" pitchFamily="34" charset="0"/>
+              </a:rPr>
+              <a:t> </a:t>
+            </a:r>
+            <a:r>
+              <a:rPr lang="fr-FR" b="0" i="0" u="none" strike="noStrike" dirty="0">
+                <a:effectLst/>
+                <a:latin typeface="Arial" panose="020B0604020202020204" pitchFamily="34" charset="0"/>
+              </a:rPr>
+              <a:t>physique </a:t>
+            </a:r>
+            <a:r>
+              <a:rPr lang="fr-BE" b="0" i="0" u="none" strike="noStrike" dirty="0">
+                <a:effectLst/>
+                <a:latin typeface="Arial" panose="020B0604020202020204" pitchFamily="34" charset="0"/>
+              </a:rPr>
+              <a:t>initialisée avec les données de COW, bien que</a:t>
+            </a:r>
+            <a:r>
+              <a:rPr lang="fr-FR" b="0" i="0" u="none" strike="noStrike" dirty="0">
+                <a:effectLst/>
+                <a:latin typeface="Arial" panose="020B0604020202020204" pitchFamily="34" charset="0"/>
+              </a:rPr>
+              <a:t> </a:t>
+            </a:r>
+            <a:r>
+              <a:rPr lang="fr-BE" b="0" i="0" u="none" strike="noStrike" dirty="0">
+                <a:effectLst/>
+                <a:latin typeface="Arial" panose="020B0604020202020204" pitchFamily="34" charset="0"/>
+              </a:rPr>
+              <a:t>l</a:t>
+            </a:r>
+            <a:r>
+              <a:rPr lang="fr-FR" b="0" i="0" u="none" strike="noStrike" dirty="0">
+                <a:effectLst/>
+                <a:latin typeface="Arial" panose="020B0604020202020204" pitchFamily="34" charset="0"/>
+              </a:rPr>
+              <a:t>a ré</a:t>
+            </a:r>
+            <a:r>
+              <a:rPr lang="fr-BE" b="0" i="0" u="none" strike="noStrike" dirty="0">
+                <a:effectLst/>
+                <a:latin typeface="Arial" panose="020B0604020202020204" pitchFamily="34" charset="0"/>
+              </a:rPr>
+              <a:t>allocation puisse être ignorée s’il n’y a qu’une seule</a:t>
+            </a:r>
+            <a:r>
+              <a:rPr lang="fr-FR" b="0" i="0" u="none" strike="noStrike" dirty="0">
+                <a:effectLst/>
+                <a:latin typeface="Arial" panose="020B0604020202020204" pitchFamily="34" charset="0"/>
+              </a:rPr>
+              <a:t> </a:t>
+            </a:r>
+            <a:r>
+              <a:rPr lang="fr-BE" b="0" i="0" u="none" strike="noStrike" dirty="0">
+                <a:effectLst/>
+                <a:latin typeface="Arial" panose="020B0604020202020204" pitchFamily="34" charset="0"/>
+              </a:rPr>
+              <a:t>référence. </a:t>
+            </a:r>
+            <a:r>
+              <a:rPr lang="fr-FR" b="0" i="0" u="none" strike="noStrike" dirty="0">
+                <a:effectLst/>
+                <a:latin typeface="Arial" panose="020B0604020202020204" pitchFamily="34" charset="0"/>
+              </a:rPr>
+              <a:t>N</a:t>
+            </a:r>
+            <a:r>
+              <a:rPr lang="fr-BE" b="0" i="0" u="none" strike="noStrike" dirty="0">
+                <a:effectLst/>
+                <a:latin typeface="Arial" panose="020B0604020202020204" pitchFamily="34" charset="0"/>
+              </a:rPr>
+              <a:t>oyau </a:t>
+            </a:r>
+            <a:r>
+              <a:rPr lang="fr-FR" b="0" i="0" u="none" strike="noStrike" dirty="0">
+                <a:effectLst/>
+                <a:latin typeface="Arial" panose="020B0604020202020204" pitchFamily="34" charset="0"/>
+              </a:rPr>
+              <a:t>update </a:t>
+            </a:r>
+            <a:r>
+              <a:rPr lang="fr-BE" b="0" i="0" u="none" strike="noStrike" dirty="0">
+                <a:effectLst/>
+                <a:latin typeface="Arial" panose="020B0604020202020204" pitchFamily="34" charset="0"/>
+              </a:rPr>
+              <a:t>ensuite table des</a:t>
+            </a:r>
+            <a:r>
+              <a:rPr lang="fr-FR" b="0" i="0" u="none" strike="noStrike" dirty="0">
+                <a:effectLst/>
+                <a:latin typeface="Arial" panose="020B0604020202020204" pitchFamily="34" charset="0"/>
+              </a:rPr>
+              <a:t> </a:t>
+            </a:r>
+            <a:r>
+              <a:rPr lang="fr-BE" b="0" i="0" u="none" strike="noStrike" dirty="0">
+                <a:effectLst/>
+                <a:latin typeface="Arial" panose="020B0604020202020204" pitchFamily="34" charset="0"/>
+              </a:rPr>
+              <a:t>pages avec</a:t>
+            </a:r>
+            <a:r>
+              <a:rPr lang="fr-FR" b="0" i="0" u="none" strike="noStrike" dirty="0">
+                <a:effectLst/>
+                <a:latin typeface="Arial" panose="020B0604020202020204" pitchFamily="34" charset="0"/>
+              </a:rPr>
+              <a:t> </a:t>
+            </a:r>
+            <a:r>
+              <a:rPr lang="fr-BE" b="0" i="0" u="none" strike="noStrike" dirty="0">
+                <a:effectLst/>
+                <a:latin typeface="Arial" panose="020B0604020202020204" pitchFamily="34" charset="0"/>
+              </a:rPr>
+              <a:t>nouvelle page,</a:t>
+            </a:r>
+            <a:r>
+              <a:rPr lang="fr-FR" b="0" i="0" u="none" strike="noStrike" dirty="0">
+                <a:effectLst/>
+                <a:latin typeface="Arial" panose="020B0604020202020204" pitchFamily="34" charset="0"/>
+              </a:rPr>
+              <a:t> </a:t>
+            </a:r>
+            <a:r>
+              <a:rPr lang="fr-BE" b="0" i="0" u="none" strike="noStrike" dirty="0">
+                <a:effectLst/>
+                <a:latin typeface="Arial" panose="020B0604020202020204" pitchFamily="34" charset="0"/>
+              </a:rPr>
+              <a:t>décrémente le nombre de</a:t>
+            </a:r>
+            <a:r>
+              <a:rPr lang="fr-FR" dirty="0">
+                <a:latin typeface="CHARTER ROMAN" panose="02040503050506020203" pitchFamily="18" charset="0"/>
+              </a:rPr>
+              <a:t> </a:t>
+            </a:r>
+            <a:r>
+              <a:rPr lang="fr-BE" b="0" i="0" u="none" strike="noStrike" dirty="0">
+                <a:effectLst/>
+                <a:latin typeface="Arial" panose="020B0604020202020204" pitchFamily="34" charset="0"/>
+              </a:rPr>
+              <a:t>références et effectue l’écriture. </a:t>
+            </a:r>
+            <a:r>
+              <a:rPr lang="fr-FR" dirty="0">
+                <a:latin typeface="Arial" panose="020B0604020202020204" pitchFamily="34" charset="0"/>
+              </a:rPr>
+              <a:t>Ce </a:t>
+            </a:r>
+            <a:r>
+              <a:rPr lang="fr-FR" dirty="0" err="1">
+                <a:latin typeface="Arial" panose="020B0604020202020204" pitchFamily="34" charset="0"/>
+              </a:rPr>
+              <a:t>chgmnt</a:t>
+            </a:r>
+            <a:r>
+              <a:rPr lang="fr-FR" dirty="0">
+                <a:latin typeface="Arial" panose="020B0604020202020204" pitchFamily="34" charset="0"/>
+              </a:rPr>
+              <a:t> pas visible par un ô </a:t>
+            </a:r>
+            <a:r>
+              <a:rPr lang="fr-FR" dirty="0" err="1">
+                <a:latin typeface="Arial" panose="020B0604020202020204" pitchFamily="34" charset="0"/>
+              </a:rPr>
+              <a:t>process</a:t>
+            </a:r>
+            <a:r>
+              <a:rPr lang="fr-FR" b="0" i="0" u="none" strike="noStrike" dirty="0">
+                <a:effectLst/>
+                <a:latin typeface="Arial" panose="020B0604020202020204" pitchFamily="34" charset="0"/>
+              </a:rPr>
+              <a:t>.</a:t>
+            </a:r>
+            <a:endParaRPr lang="fr-FR" dirty="0">
+              <a:latin typeface="CHARTER ROMAN" panose="02040503050506020203" pitchFamily="18" charset="0"/>
+            </a:endParaRPr>
           </a:p>
         </p:txBody>
       </p:sp>
     </p:spTree>
+    <p:extLst>
+      <p:ext uri="{BB962C8B-B14F-4D97-AF65-F5344CB8AC3E}">
+        <p14:creationId xmlns:p14="http://schemas.microsoft.com/office/powerpoint/2010/main" val="3877439207"/>
+      </p:ext>
+    </p:extLst>
   </p:cSld>
   <p:clrMapOvr>
     <a:masterClrMapping/>
@@ -53901,7 +56118,7 @@
             </a:pPr>
             <a:r>
               <a:rPr lang="fr-FR" dirty="0"/>
-              <a:t>Suppléments</a:t>
+              <a:t>Problèmes éventuels</a:t>
             </a:r>
             <a:endParaRPr dirty="0"/>
           </a:p>
@@ -53943,7 +56160,7 @@
             </a:pPr>
             <a:r>
               <a:rPr lang="fr-BE" sz="1600" dirty="0"/>
-              <a:t>fork1(), forkall(), forkx(), forkallx() Les fonctions forkx() et forkallx() acceptent un</a:t>
+              <a:t>Au vu du fait que fork duplique l’espace d’adressage et d’autres fonctionnement du</a:t>
             </a:r>
           </a:p>
           <a:p>
@@ -53958,7 +56175,7 @@
             </a:pPr>
             <a:r>
               <a:rPr lang="fr-BE" sz="1600" dirty="0"/>
-              <a:t>argument flags composé d’un OU inclusif au niveau du bit de zéro ou plusieurs des</a:t>
+              <a:t>parent, cela peut vite remplir la mémoire, ralentir l’ordina-</a:t>
             </a:r>
           </a:p>
           <a:p>
@@ -53973,33 +56190,13 @@
             </a:pPr>
             <a:r>
               <a:rPr lang="fr-BE" sz="1600" dirty="0"/>
-              <a:t>drapeaux suivants, qui sont définis dans l’en-tête sys/fork.h Si l’argument flags est</a:t>
-            </a:r>
-          </a:p>
-          <a:p>
-            <a:pPr marL="0" lvl="0" indent="0" algn="ctr" rtl="0">
-              <a:spcBef>
-                <a:spcPts val="0"/>
-              </a:spcBef>
-              <a:spcAft>
-                <a:spcPts val="0"/>
-              </a:spcAft>
-              <a:buNone/>
-            </a:pPr>
-            <a:r>
-              <a:rPr lang="fr-BE" sz="1600" dirty="0"/>
-              <a:t>0, forkx() est identique à fork() et forkallx() est identique à forkall().</a:t>
+              <a:t>teur et empêcher la création de nouveaux processus.</a:t>
             </a:r>
             <a:endParaRPr sz="1600" dirty="0"/>
           </a:p>
         </p:txBody>
       </p:sp>
     </p:spTree>
-    <p:extLst>
-      <p:ext uri="{BB962C8B-B14F-4D97-AF65-F5344CB8AC3E}">
-        <p14:creationId xmlns:p14="http://schemas.microsoft.com/office/powerpoint/2010/main" val="1282159750"/>
-      </p:ext>
-    </p:extLst>
   </p:cSld>
   <p:clrMapOvr>
     <a:masterClrMapping/>
